--- a/DEUV propuesta.pptx
+++ b/DEUV propuesta.pptx
@@ -5,7 +5,7 @@
     <p:sldMasterId id="2147483660" r:id="rId1"/>
   </p:sldMasterIdLst>
   <p:notesMasterIdLst>
-    <p:notesMasterId r:id="rId16"/>
+    <p:notesMasterId r:id="rId18"/>
   </p:notesMasterIdLst>
   <p:sldIdLst>
     <p:sldId id="256" r:id="rId2"/>
@@ -14,14 +14,16 @@
     <p:sldId id="259" r:id="rId5"/>
     <p:sldId id="260" r:id="rId6"/>
     <p:sldId id="261" r:id="rId7"/>
-    <p:sldId id="262" r:id="rId8"/>
-    <p:sldId id="267" r:id="rId9"/>
-    <p:sldId id="268" r:id="rId10"/>
-    <p:sldId id="263" r:id="rId11"/>
-    <p:sldId id="269" r:id="rId12"/>
-    <p:sldId id="264" r:id="rId13"/>
-    <p:sldId id="265" r:id="rId14"/>
-    <p:sldId id="266" r:id="rId15"/>
+    <p:sldId id="273" r:id="rId8"/>
+    <p:sldId id="262" r:id="rId9"/>
+    <p:sldId id="267" r:id="rId10"/>
+    <p:sldId id="268" r:id="rId11"/>
+    <p:sldId id="274" r:id="rId12"/>
+    <p:sldId id="263" r:id="rId13"/>
+    <p:sldId id="269" r:id="rId14"/>
+    <p:sldId id="270" r:id="rId15"/>
+    <p:sldId id="275" r:id="rId16"/>
+    <p:sldId id="264" r:id="rId17"/>
   </p:sldIdLst>
   <p:sldSz cx="9144000" cy="5143500" type="screen16x9"/>
   <p:notesSz cx="6858000" cy="9144000"/>
@@ -687,7 +689,7 @@
   <p:cSld>
     <p:spTree>
       <p:nvGrpSpPr>
-        <p:cNvPr id="1" name="Shape 103"/>
+        <p:cNvPr id="1" name="Shape 91"/>
         <p:cNvGrpSpPr/>
         <p:nvPr/>
       </p:nvGrpSpPr>
@@ -701,7 +703,7 @@
       </p:grpSpPr>
       <p:sp>
         <p:nvSpPr>
-          <p:cNvPr id="104" name="Google Shape;104;g4726b05117_0_64:notes"/>
+          <p:cNvPr id="92" name="Google Shape;92;g4726b05117_0_49:notes"/>
           <p:cNvSpPr>
             <a:spLocks noGrp="1" noRot="1" noChangeAspect="1"/>
           </p:cNvSpPr>
@@ -742,7 +744,7 @@
       </p:sp>
       <p:sp>
         <p:nvSpPr>
-          <p:cNvPr id="105" name="Google Shape;105;g4726b05117_0_64:notes"/>
+          <p:cNvPr id="93" name="Google Shape;93;g4726b05117_0_49:notes"/>
           <p:cNvSpPr txBox="1">
             <a:spLocks noGrp="1"/>
           </p:cNvSpPr>
@@ -791,7 +793,7 @@
   <p:cSld>
     <p:spTree>
       <p:nvGrpSpPr>
-        <p:cNvPr id="1" name="Shape 108"/>
+        <p:cNvPr id="1" name="Shape 80"/>
         <p:cNvGrpSpPr/>
         <p:nvPr/>
       </p:nvGrpSpPr>
@@ -805,7 +807,7 @@
       </p:grpSpPr>
       <p:sp>
         <p:nvSpPr>
-          <p:cNvPr id="109" name="Google Shape;109;g4726b05117_0_59:notes"/>
+          <p:cNvPr id="81" name="Google Shape;81;g4726b05117_0_31:notes"/>
           <p:cNvSpPr>
             <a:spLocks noGrp="1" noRot="1" noChangeAspect="1"/>
           </p:cNvSpPr>
@@ -846,7 +848,7 @@
       </p:sp>
       <p:sp>
         <p:nvSpPr>
-          <p:cNvPr id="110" name="Google Shape;110;g4726b05117_0_59:notes"/>
+          <p:cNvPr id="82" name="Google Shape;82;g4726b05117_0_31:notes"/>
           <p:cNvSpPr txBox="1">
             <a:spLocks noGrp="1"/>
           </p:cNvSpPr>
@@ -883,6 +885,11 @@
         </p:txBody>
       </p:sp>
     </p:spTree>
+    <p:extLst>
+      <p:ext uri="{BB962C8B-B14F-4D97-AF65-F5344CB8AC3E}">
+        <p14:creationId xmlns:p14="http://schemas.microsoft.com/office/powerpoint/2010/main" val="3618963660"/>
+      </p:ext>
+    </p:extLst>
   </p:cSld>
   <p:clrMapOvr>
     <a:masterClrMapping/>
@@ -890,12 +897,12 @@
 </p:notes>
 </file>
 
-<file path=ppt/notesSlides/notesSlide2.xml><?xml version="1.0" encoding="utf-8"?>
+<file path=ppt/notesSlides/notesSlide12.xml><?xml version="1.0" encoding="utf-8"?>
 <p:notes xmlns:a="http://schemas.openxmlformats.org/drawingml/2006/main" xmlns:r="http://schemas.openxmlformats.org/officeDocument/2006/relationships" xmlns:p="http://schemas.openxmlformats.org/presentationml/2006/main" showMasterSp="0" showMasterPhAnim="0">
   <p:cSld>
     <p:spTree>
       <p:nvGrpSpPr>
-        <p:cNvPr id="1" name="Shape 56"/>
+        <p:cNvPr id="1" name="Shape 97"/>
         <p:cNvGrpSpPr/>
         <p:nvPr/>
       </p:nvGrpSpPr>
@@ -909,7 +916,7 @@
       </p:grpSpPr>
       <p:sp>
         <p:nvSpPr>
-          <p:cNvPr id="57" name="Google Shape;57;g4726b05117_0_0:notes"/>
+          <p:cNvPr id="98" name="Google Shape;98;g4726b05117_0_54:notes"/>
           <p:cNvSpPr>
             <a:spLocks noGrp="1" noRot="1" noChangeAspect="1"/>
           </p:cNvSpPr>
@@ -950,7 +957,7 @@
       </p:sp>
       <p:sp>
         <p:nvSpPr>
-          <p:cNvPr id="58" name="Google Shape;58;g4726b05117_0_0:notes"/>
+          <p:cNvPr id="99" name="Google Shape;99;g4726b05117_0_54:notes"/>
           <p:cNvSpPr txBox="1">
             <a:spLocks noGrp="1"/>
           </p:cNvSpPr>
@@ -994,12 +1001,12 @@
 </p:notes>
 </file>
 
-<file path=ppt/notesSlides/notesSlide3.xml><?xml version="1.0" encoding="utf-8"?>
+<file path=ppt/notesSlides/notesSlide2.xml><?xml version="1.0" encoding="utf-8"?>
 <p:notes xmlns:a="http://schemas.openxmlformats.org/drawingml/2006/main" xmlns:r="http://schemas.openxmlformats.org/officeDocument/2006/relationships" xmlns:p="http://schemas.openxmlformats.org/presentationml/2006/main" showMasterSp="0" showMasterPhAnim="0">
   <p:cSld>
     <p:spTree>
       <p:nvGrpSpPr>
-        <p:cNvPr id="1" name="Shape 62"/>
+        <p:cNvPr id="1" name="Shape 56"/>
         <p:cNvGrpSpPr/>
         <p:nvPr/>
       </p:nvGrpSpPr>
@@ -1013,7 +1020,7 @@
       </p:grpSpPr>
       <p:sp>
         <p:nvSpPr>
-          <p:cNvPr id="63" name="Google Shape;63;g4726b05117_0_6:notes"/>
+          <p:cNvPr id="57" name="Google Shape;57;g4726b05117_0_0:notes"/>
           <p:cNvSpPr>
             <a:spLocks noGrp="1" noRot="1" noChangeAspect="1"/>
           </p:cNvSpPr>
@@ -1054,7 +1061,7 @@
       </p:sp>
       <p:sp>
         <p:nvSpPr>
-          <p:cNvPr id="64" name="Google Shape;64;g4726b05117_0_6:notes"/>
+          <p:cNvPr id="58" name="Google Shape;58;g4726b05117_0_0:notes"/>
           <p:cNvSpPr txBox="1">
             <a:spLocks noGrp="1"/>
           </p:cNvSpPr>
@@ -1098,12 +1105,12 @@
 </p:notes>
 </file>
 
-<file path=ppt/notesSlides/notesSlide4.xml><?xml version="1.0" encoding="utf-8"?>
+<file path=ppt/notesSlides/notesSlide3.xml><?xml version="1.0" encoding="utf-8"?>
 <p:notes xmlns:a="http://schemas.openxmlformats.org/drawingml/2006/main" xmlns:r="http://schemas.openxmlformats.org/officeDocument/2006/relationships" xmlns:p="http://schemas.openxmlformats.org/presentationml/2006/main" showMasterSp="0" showMasterPhAnim="0">
   <p:cSld>
     <p:spTree>
       <p:nvGrpSpPr>
-        <p:cNvPr id="1" name="Shape 68"/>
+        <p:cNvPr id="1" name="Shape 62"/>
         <p:cNvGrpSpPr/>
         <p:nvPr/>
       </p:nvGrpSpPr>
@@ -1117,7 +1124,7 @@
       </p:grpSpPr>
       <p:sp>
         <p:nvSpPr>
-          <p:cNvPr id="69" name="Google Shape;69;g4726b05117_0_13:notes"/>
+          <p:cNvPr id="63" name="Google Shape;63;g4726b05117_0_6:notes"/>
           <p:cNvSpPr>
             <a:spLocks noGrp="1" noRot="1" noChangeAspect="1"/>
           </p:cNvSpPr>
@@ -1158,7 +1165,7 @@
       </p:sp>
       <p:sp>
         <p:nvSpPr>
-          <p:cNvPr id="70" name="Google Shape;70;g4726b05117_0_13:notes"/>
+          <p:cNvPr id="64" name="Google Shape;64;g4726b05117_0_6:notes"/>
           <p:cNvSpPr txBox="1">
             <a:spLocks noGrp="1"/>
           </p:cNvSpPr>
@@ -1202,12 +1209,12 @@
 </p:notes>
 </file>
 
-<file path=ppt/notesSlides/notesSlide5.xml><?xml version="1.0" encoding="utf-8"?>
+<file path=ppt/notesSlides/notesSlide4.xml><?xml version="1.0" encoding="utf-8"?>
 <p:notes xmlns:a="http://schemas.openxmlformats.org/drawingml/2006/main" xmlns:r="http://schemas.openxmlformats.org/officeDocument/2006/relationships" xmlns:p="http://schemas.openxmlformats.org/presentationml/2006/main" showMasterSp="0" showMasterPhAnim="0">
   <p:cSld>
     <p:spTree>
       <p:nvGrpSpPr>
-        <p:cNvPr id="1" name="Shape 74"/>
+        <p:cNvPr id="1" name="Shape 68"/>
         <p:cNvGrpSpPr/>
         <p:nvPr/>
       </p:nvGrpSpPr>
@@ -1221,7 +1228,7 @@
       </p:grpSpPr>
       <p:sp>
         <p:nvSpPr>
-          <p:cNvPr id="75" name="Google Shape;75;g4726b05117_0_25:notes"/>
+          <p:cNvPr id="69" name="Google Shape;69;g4726b05117_0_13:notes"/>
           <p:cNvSpPr>
             <a:spLocks noGrp="1" noRot="1" noChangeAspect="1"/>
           </p:cNvSpPr>
@@ -1262,7 +1269,7 @@
       </p:sp>
       <p:sp>
         <p:nvSpPr>
-          <p:cNvPr id="76" name="Google Shape;76;g4726b05117_0_25:notes"/>
+          <p:cNvPr id="70" name="Google Shape;70;g4726b05117_0_13:notes"/>
           <p:cNvSpPr txBox="1">
             <a:spLocks noGrp="1"/>
           </p:cNvSpPr>
@@ -1306,12 +1313,12 @@
 </p:notes>
 </file>
 
-<file path=ppt/notesSlides/notesSlide6.xml><?xml version="1.0" encoding="utf-8"?>
+<file path=ppt/notesSlides/notesSlide5.xml><?xml version="1.0" encoding="utf-8"?>
 <p:notes xmlns:a="http://schemas.openxmlformats.org/drawingml/2006/main" xmlns:r="http://schemas.openxmlformats.org/officeDocument/2006/relationships" xmlns:p="http://schemas.openxmlformats.org/presentationml/2006/main" showMasterSp="0" showMasterPhAnim="0">
   <p:cSld>
     <p:spTree>
       <p:nvGrpSpPr>
-        <p:cNvPr id="1" name="Shape 80"/>
+        <p:cNvPr id="1" name="Shape 74"/>
         <p:cNvGrpSpPr/>
         <p:nvPr/>
       </p:nvGrpSpPr>
@@ -1325,7 +1332,7 @@
       </p:grpSpPr>
       <p:sp>
         <p:nvSpPr>
-          <p:cNvPr id="81" name="Google Shape;81;g4726b05117_0_31:notes"/>
+          <p:cNvPr id="75" name="Google Shape;75;g4726b05117_0_25:notes"/>
           <p:cNvSpPr>
             <a:spLocks noGrp="1" noRot="1" noChangeAspect="1"/>
           </p:cNvSpPr>
@@ -1366,7 +1373,7 @@
       </p:sp>
       <p:sp>
         <p:nvSpPr>
-          <p:cNvPr id="82" name="Google Shape;82;g4726b05117_0_31:notes"/>
+          <p:cNvPr id="76" name="Google Shape;76;g4726b05117_0_25:notes"/>
           <p:cNvSpPr txBox="1">
             <a:spLocks noGrp="1"/>
           </p:cNvSpPr>
@@ -1410,12 +1417,12 @@
 </p:notes>
 </file>
 
-<file path=ppt/notesSlides/notesSlide7.xml><?xml version="1.0" encoding="utf-8"?>
+<file path=ppt/notesSlides/notesSlide6.xml><?xml version="1.0" encoding="utf-8"?>
 <p:notes xmlns:a="http://schemas.openxmlformats.org/drawingml/2006/main" xmlns:r="http://schemas.openxmlformats.org/officeDocument/2006/relationships" xmlns:p="http://schemas.openxmlformats.org/presentationml/2006/main" showMasterSp="0" showMasterPhAnim="0">
   <p:cSld>
     <p:spTree>
       <p:nvGrpSpPr>
-        <p:cNvPr id="1" name="Shape 85"/>
+        <p:cNvPr id="1" name="Shape 80"/>
         <p:cNvGrpSpPr/>
         <p:nvPr/>
       </p:nvGrpSpPr>
@@ -1429,7 +1436,7 @@
       </p:grpSpPr>
       <p:sp>
         <p:nvSpPr>
-          <p:cNvPr id="86" name="Google Shape;86;g4726b05117_0_41:notes"/>
+          <p:cNvPr id="81" name="Google Shape;81;g4726b05117_0_31:notes"/>
           <p:cNvSpPr>
             <a:spLocks noGrp="1" noRot="1" noChangeAspect="1"/>
           </p:cNvSpPr>
@@ -1470,7 +1477,7 @@
       </p:sp>
       <p:sp>
         <p:nvSpPr>
-          <p:cNvPr id="87" name="Google Shape;87;g4726b05117_0_41:notes"/>
+          <p:cNvPr id="82" name="Google Shape;82;g4726b05117_0_31:notes"/>
           <p:cNvSpPr txBox="1">
             <a:spLocks noGrp="1"/>
           </p:cNvSpPr>
@@ -1514,12 +1521,12 @@
 </p:notes>
 </file>
 
-<file path=ppt/notesSlides/notesSlide8.xml><?xml version="1.0" encoding="utf-8"?>
+<file path=ppt/notesSlides/notesSlide7.xml><?xml version="1.0" encoding="utf-8"?>
 <p:notes xmlns:a="http://schemas.openxmlformats.org/drawingml/2006/main" xmlns:r="http://schemas.openxmlformats.org/officeDocument/2006/relationships" xmlns:p="http://schemas.openxmlformats.org/presentationml/2006/main" showMasterSp="0" showMasterPhAnim="0">
   <p:cSld>
     <p:spTree>
       <p:nvGrpSpPr>
-        <p:cNvPr id="1" name="Shape 91"/>
+        <p:cNvPr id="1" name="Shape 80"/>
         <p:cNvGrpSpPr/>
         <p:nvPr/>
       </p:nvGrpSpPr>
@@ -1533,7 +1540,7 @@
       </p:grpSpPr>
       <p:sp>
         <p:nvSpPr>
-          <p:cNvPr id="92" name="Google Shape;92;g4726b05117_0_49:notes"/>
+          <p:cNvPr id="81" name="Google Shape;81;g4726b05117_0_31:notes"/>
           <p:cNvSpPr>
             <a:spLocks noGrp="1" noRot="1" noChangeAspect="1"/>
           </p:cNvSpPr>
@@ -1574,7 +1581,7 @@
       </p:sp>
       <p:sp>
         <p:nvSpPr>
-          <p:cNvPr id="93" name="Google Shape;93;g4726b05117_0_49:notes"/>
+          <p:cNvPr id="82" name="Google Shape;82;g4726b05117_0_31:notes"/>
           <p:cNvSpPr txBox="1">
             <a:spLocks noGrp="1"/>
           </p:cNvSpPr>
@@ -1611,6 +1618,11 @@
         </p:txBody>
       </p:sp>
     </p:spTree>
+    <p:extLst>
+      <p:ext uri="{BB962C8B-B14F-4D97-AF65-F5344CB8AC3E}">
+        <p14:creationId xmlns:p14="http://schemas.microsoft.com/office/powerpoint/2010/main" val="440942407"/>
+      </p:ext>
+    </p:extLst>
   </p:cSld>
   <p:clrMapOvr>
     <a:masterClrMapping/>
@@ -1618,12 +1630,12 @@
 </p:notes>
 </file>
 
-<file path=ppt/notesSlides/notesSlide9.xml><?xml version="1.0" encoding="utf-8"?>
+<file path=ppt/notesSlides/notesSlide8.xml><?xml version="1.0" encoding="utf-8"?>
 <p:notes xmlns:a="http://schemas.openxmlformats.org/drawingml/2006/main" xmlns:r="http://schemas.openxmlformats.org/officeDocument/2006/relationships" xmlns:p="http://schemas.openxmlformats.org/presentationml/2006/main" showMasterSp="0" showMasterPhAnim="0">
   <p:cSld>
     <p:spTree>
       <p:nvGrpSpPr>
-        <p:cNvPr id="1" name="Shape 97"/>
+        <p:cNvPr id="1" name="Shape 85"/>
         <p:cNvGrpSpPr/>
         <p:nvPr/>
       </p:nvGrpSpPr>
@@ -1637,7 +1649,7 @@
       </p:grpSpPr>
       <p:sp>
         <p:nvSpPr>
-          <p:cNvPr id="98" name="Google Shape;98;g4726b05117_0_54:notes"/>
+          <p:cNvPr id="86" name="Google Shape;86;g4726b05117_0_41:notes"/>
           <p:cNvSpPr>
             <a:spLocks noGrp="1" noRot="1" noChangeAspect="1"/>
           </p:cNvSpPr>
@@ -1678,7 +1690,7 @@
       </p:sp>
       <p:sp>
         <p:nvSpPr>
-          <p:cNvPr id="99" name="Google Shape;99;g4726b05117_0_54:notes"/>
+          <p:cNvPr id="87" name="Google Shape;87;g4726b05117_0_41:notes"/>
           <p:cNvSpPr txBox="1">
             <a:spLocks noGrp="1"/>
           </p:cNvSpPr>
@@ -1715,6 +1727,115 @@
         </p:txBody>
       </p:sp>
     </p:spTree>
+  </p:cSld>
+  <p:clrMapOvr>
+    <a:masterClrMapping/>
+  </p:clrMapOvr>
+</p:notes>
+</file>
+
+<file path=ppt/notesSlides/notesSlide9.xml><?xml version="1.0" encoding="utf-8"?>
+<p:notes xmlns:a="http://schemas.openxmlformats.org/drawingml/2006/main" xmlns:r="http://schemas.openxmlformats.org/officeDocument/2006/relationships" xmlns:p="http://schemas.openxmlformats.org/presentationml/2006/main" showMasterSp="0" showMasterPhAnim="0">
+  <p:cSld>
+    <p:spTree>
+      <p:nvGrpSpPr>
+        <p:cNvPr id="1" name="Shape 80"/>
+        <p:cNvGrpSpPr/>
+        <p:nvPr/>
+      </p:nvGrpSpPr>
+      <p:grpSpPr>
+        <a:xfrm>
+          <a:off x="0" y="0"/>
+          <a:ext cx="0" cy="0"/>
+          <a:chOff x="0" y="0"/>
+          <a:chExt cx="0" cy="0"/>
+        </a:xfrm>
+      </p:grpSpPr>
+      <p:sp>
+        <p:nvSpPr>
+          <p:cNvPr id="81" name="Google Shape;81;g4726b05117_0_31:notes"/>
+          <p:cNvSpPr>
+            <a:spLocks noGrp="1" noRot="1" noChangeAspect="1"/>
+          </p:cNvSpPr>
+          <p:nvPr>
+            <p:ph type="sldImg" idx="2"/>
+          </p:nvPr>
+        </p:nvSpPr>
+        <p:spPr>
+          <a:xfrm>
+            <a:off x="381000" y="685800"/>
+            <a:ext cx="6096000" cy="3429000"/>
+          </a:xfrm>
+          <a:custGeom>
+            <a:avLst/>
+            <a:gdLst/>
+            <a:ahLst/>
+            <a:cxnLst/>
+            <a:rect l="l" t="t" r="r" b="b"/>
+            <a:pathLst>
+              <a:path w="120000" h="120000" extrusionOk="0">
+                <a:moveTo>
+                  <a:pt x="0" y="0"/>
+                </a:moveTo>
+                <a:lnTo>
+                  <a:pt x="120000" y="0"/>
+                </a:lnTo>
+                <a:lnTo>
+                  <a:pt x="120000" y="120000"/>
+                </a:lnTo>
+                <a:lnTo>
+                  <a:pt x="0" y="120000"/>
+                </a:lnTo>
+                <a:close/>
+              </a:path>
+            </a:pathLst>
+          </a:custGeom>
+        </p:spPr>
+      </p:sp>
+      <p:sp>
+        <p:nvSpPr>
+          <p:cNvPr id="82" name="Google Shape;82;g4726b05117_0_31:notes"/>
+          <p:cNvSpPr txBox="1">
+            <a:spLocks noGrp="1"/>
+          </p:cNvSpPr>
+          <p:nvPr>
+            <p:ph type="body" idx="1"/>
+          </p:nvPr>
+        </p:nvSpPr>
+        <p:spPr>
+          <a:xfrm>
+            <a:off x="685800" y="4343400"/>
+            <a:ext cx="5486400" cy="4114800"/>
+          </a:xfrm>
+          <a:prstGeom prst="rect">
+            <a:avLst/>
+          </a:prstGeom>
+        </p:spPr>
+        <p:txBody>
+          <a:bodyPr spcFirstLastPara="1" wrap="square" lIns="91425" tIns="91425" rIns="91425" bIns="91425" anchor="t" anchorCtr="0">
+            <a:noAutofit/>
+          </a:bodyPr>
+          <a:lstStyle/>
+          <a:p>
+            <a:pPr marL="0" lvl="0" indent="0" algn="l" rtl="0">
+              <a:spcBef>
+                <a:spcPts val="0"/>
+              </a:spcBef>
+              <a:spcAft>
+                <a:spcPts val="0"/>
+              </a:spcAft>
+              <a:buNone/>
+            </a:pPr>
+            <a:endParaRPr/>
+          </a:p>
+        </p:txBody>
+      </p:sp>
+    </p:spTree>
+    <p:extLst>
+      <p:ext uri="{BB962C8B-B14F-4D97-AF65-F5344CB8AC3E}">
+        <p14:creationId xmlns:p14="http://schemas.microsoft.com/office/powerpoint/2010/main" val="152754220"/>
+      </p:ext>
+    </p:extLst>
   </p:cSld>
   <p:clrMapOvr>
     <a:masterClrMapping/>
@@ -5647,6 +5768,268 @@
   <p:cSld>
     <p:spTree>
       <p:nvGrpSpPr>
+        <p:cNvPr id="1" name=""/>
+        <p:cNvGrpSpPr/>
+        <p:nvPr/>
+      </p:nvGrpSpPr>
+      <p:grpSpPr>
+        <a:xfrm>
+          <a:off x="0" y="0"/>
+          <a:ext cx="0" cy="0"/>
+          <a:chOff x="0" y="0"/>
+          <a:chExt cx="0" cy="0"/>
+        </a:xfrm>
+      </p:grpSpPr>
+      <p:sp>
+        <p:nvSpPr>
+          <p:cNvPr id="2" name="Título 1"/>
+          <p:cNvSpPr>
+            <a:spLocks noGrp="1"/>
+          </p:cNvSpPr>
+          <p:nvPr>
+            <p:ph type="title"/>
+          </p:nvPr>
+        </p:nvSpPr>
+        <p:spPr/>
+        <p:txBody>
+          <a:bodyPr>
+            <a:normAutofit fontScale="90000"/>
+          </a:bodyPr>
+          <a:lstStyle/>
+          <a:p>
+            <a:endParaRPr lang="es-MX"/>
+          </a:p>
+        </p:txBody>
+      </p:sp>
+      <p:sp>
+        <p:nvSpPr>
+          <p:cNvPr id="3" name="Marcador de texto 2"/>
+          <p:cNvSpPr>
+            <a:spLocks noGrp="1"/>
+          </p:cNvSpPr>
+          <p:nvPr>
+            <p:ph type="body" idx="1"/>
+          </p:nvPr>
+        </p:nvSpPr>
+        <p:spPr/>
+        <p:txBody>
+          <a:bodyPr>
+            <a:normAutofit/>
+          </a:bodyPr>
+          <a:lstStyle/>
+          <a:p>
+            <a:pPr marL="114300" indent="0" algn="just">
+              <a:buNone/>
+            </a:pPr>
+            <a:r>
+              <a:rPr lang="es-MX" sz="1800" dirty="0"/>
+              <a:t>Servidor:  x3850  </a:t>
+            </a:r>
+          </a:p>
+          <a:p>
+            <a:pPr algn="just"/>
+            <a:r>
+              <a:rPr lang="es-MX" sz="1800" dirty="0"/>
+              <a:t>Procesador: 1 X Intel® </a:t>
+            </a:r>
+            <a:r>
+              <a:rPr lang="es-MX" sz="1800" dirty="0" err="1"/>
+              <a:t>Xeon</a:t>
+            </a:r>
+            <a:r>
+              <a:rPr lang="es-MX" sz="1800" dirty="0"/>
+              <a:t>® </a:t>
+            </a:r>
+            <a:r>
+              <a:rPr lang="es-MX" sz="1800" dirty="0" err="1"/>
+              <a:t>DualCore</a:t>
+            </a:r>
+            <a:r>
+              <a:rPr lang="es-MX" sz="1800" dirty="0"/>
+              <a:t> 7110N 2.50GHz  </a:t>
+            </a:r>
+          </a:p>
+          <a:p>
+            <a:pPr algn="just"/>
+            <a:r>
+              <a:rPr lang="es-MX" sz="1800" dirty="0"/>
+              <a:t>Memoria Caché: 4MB L3  </a:t>
+            </a:r>
+          </a:p>
+          <a:p>
+            <a:pPr algn="just"/>
+            <a:r>
+              <a:rPr lang="es-MX" sz="1800" dirty="0"/>
+              <a:t>Memoria RAM: 2GB  </a:t>
+            </a:r>
+          </a:p>
+          <a:p>
+            <a:pPr algn="just"/>
+            <a:r>
+              <a:rPr lang="es-MX" sz="1800" dirty="0"/>
+              <a:t>Disco Duro: Open </a:t>
+            </a:r>
+            <a:r>
+              <a:rPr lang="es-MX" sz="1800" dirty="0" err="1"/>
+              <a:t>Bay</a:t>
+            </a:r>
+            <a:r>
+              <a:rPr lang="es-MX" sz="1800" dirty="0"/>
+              <a:t>  </a:t>
+            </a:r>
+          </a:p>
+          <a:p>
+            <a:pPr algn="just"/>
+            <a:r>
+              <a:rPr lang="es-MX" sz="1800" dirty="0"/>
+              <a:t>Unidad óptica: DVD ROM  </a:t>
+            </a:r>
+          </a:p>
+          <a:p>
+            <a:pPr algn="just"/>
+            <a:r>
+              <a:rPr lang="es-MX" sz="1800" dirty="0"/>
+              <a:t>Interfaz de red: Dual Gigabit Ethernet  </a:t>
+            </a:r>
+          </a:p>
+          <a:p>
+            <a:pPr algn="just"/>
+            <a:r>
+              <a:rPr lang="es-MX" sz="1800" dirty="0"/>
+              <a:t>Fuente de poder: 2 x </a:t>
+            </a:r>
+            <a:r>
+              <a:rPr lang="es-MX" sz="1800" dirty="0" err="1"/>
+              <a:t>Power</a:t>
+            </a:r>
+            <a:r>
+              <a:rPr lang="es-MX" sz="1800" dirty="0"/>
+              <a:t> </a:t>
+            </a:r>
+            <a:r>
+              <a:rPr lang="es-MX" sz="1800" dirty="0" err="1"/>
+              <a:t>Supplies</a:t>
+            </a:r>
+            <a:r>
+              <a:rPr lang="es-MX" sz="1800" dirty="0"/>
+              <a:t>  </a:t>
+            </a:r>
+          </a:p>
+          <a:p>
+            <a:pPr algn="just"/>
+            <a:r>
+              <a:rPr lang="es-MX" sz="1800" dirty="0"/>
+              <a:t>Arquitectura: Rack </a:t>
+            </a:r>
+          </a:p>
+        </p:txBody>
+      </p:sp>
+    </p:spTree>
+    <p:extLst>
+      <p:ext uri="{BB962C8B-B14F-4D97-AF65-F5344CB8AC3E}">
+        <p14:creationId xmlns:p14="http://schemas.microsoft.com/office/powerpoint/2010/main" val="1263633002"/>
+      </p:ext>
+    </p:extLst>
+  </p:cSld>
+  <p:clrMapOvr>
+    <a:masterClrMapping/>
+  </p:clrMapOvr>
+</p:sld>
+</file>
+
+<file path=ppt/slides/slide11.xml><?xml version="1.0" encoding="utf-8"?>
+<p:sld xmlns:a="http://schemas.openxmlformats.org/drawingml/2006/main" xmlns:r="http://schemas.openxmlformats.org/officeDocument/2006/relationships" xmlns:p="http://schemas.openxmlformats.org/presentationml/2006/main">
+  <p:cSld>
+    <p:spTree>
+      <p:nvGrpSpPr>
+        <p:cNvPr id="1" name="Shape 83"/>
+        <p:cNvGrpSpPr/>
+        <p:nvPr/>
+      </p:nvGrpSpPr>
+      <p:grpSpPr>
+        <a:xfrm>
+          <a:off x="0" y="0"/>
+          <a:ext cx="0" cy="0"/>
+          <a:chOff x="0" y="0"/>
+          <a:chExt cx="0" cy="0"/>
+        </a:xfrm>
+      </p:grpSpPr>
+      <p:sp>
+        <p:nvSpPr>
+          <p:cNvPr id="84" name="Google Shape;84;p18"/>
+          <p:cNvSpPr txBox="1">
+            <a:spLocks noGrp="1"/>
+          </p:cNvSpPr>
+          <p:nvPr>
+            <p:ph type="title"/>
+          </p:nvPr>
+        </p:nvSpPr>
+        <p:spPr>
+          <a:xfrm>
+            <a:off x="311708" y="1545450"/>
+            <a:ext cx="8520600" cy="2052600"/>
+          </a:xfrm>
+          <a:prstGeom prst="rect">
+            <a:avLst/>
+          </a:prstGeom>
+        </p:spPr>
+        <p:txBody>
+          <a:bodyPr spcFirstLastPara="1" wrap="square" lIns="91425" tIns="91425" rIns="91425" bIns="91425" anchor="t" anchorCtr="0">
+            <a:noAutofit/>
+          </a:bodyPr>
+          <a:lstStyle/>
+          <a:p>
+            <a:pPr marL="0" lvl="0" indent="0" algn="ctr" rtl="0">
+              <a:spcBef>
+                <a:spcPts val="0"/>
+              </a:spcBef>
+              <a:spcAft>
+                <a:spcPts val="0"/>
+              </a:spcAft>
+              <a:buNone/>
+            </a:pPr>
+            <a:r>
+              <a:rPr lang="es" dirty="0"/>
+              <a:t>Análisis de factibilidad </a:t>
+            </a:r>
+            <a:r>
+              <a:rPr lang="es-MX" dirty="0"/>
+              <a:t>económica</a:t>
+            </a:r>
+            <a:endParaRPr dirty="0"/>
+          </a:p>
+          <a:p>
+            <a:pPr marL="0" lvl="0" indent="0" algn="l" rtl="0">
+              <a:spcBef>
+                <a:spcPts val="0"/>
+              </a:spcBef>
+              <a:spcAft>
+                <a:spcPts val="0"/>
+              </a:spcAft>
+              <a:buNone/>
+            </a:pPr>
+            <a:endParaRPr dirty="0"/>
+          </a:p>
+        </p:txBody>
+      </p:sp>
+    </p:spTree>
+    <p:extLst>
+      <p:ext uri="{BB962C8B-B14F-4D97-AF65-F5344CB8AC3E}">
+        <p14:creationId xmlns:p14="http://schemas.microsoft.com/office/powerpoint/2010/main" val="1930430749"/>
+      </p:ext>
+    </p:extLst>
+  </p:cSld>
+  <p:clrMapOvr>
+    <a:masterClrMapping/>
+  </p:clrMapOvr>
+</p:sld>
+</file>
+
+<file path=ppt/slides/slide12.xml><?xml version="1.0" encoding="utf-8"?>
+<p:sld xmlns:a="http://schemas.openxmlformats.org/drawingml/2006/main" xmlns:r="http://schemas.openxmlformats.org/officeDocument/2006/relationships" xmlns:p="http://schemas.openxmlformats.org/presentationml/2006/main">
+  <p:cSld>
+    <p:spTree>
+      <p:nvGrpSpPr>
         <p:cNvPr id="1" name="Shape 94"/>
         <p:cNvGrpSpPr/>
         <p:nvPr/>
@@ -5680,20 +6063,14 @@
           </a:bodyPr>
           <a:lstStyle/>
           <a:p>
-            <a:pPr marL="0" lvl="0" indent="0" algn="l" rtl="0">
-              <a:spcBef>
-                <a:spcPts val="0"/>
-              </a:spcBef>
-              <a:spcAft>
-                <a:spcPts val="0"/>
-              </a:spcAft>
-              <a:buNone/>
-            </a:pPr>
-            <a:r>
-              <a:rPr lang="es"/>
-              <a:t>Económica</a:t>
-            </a:r>
-            <a:endParaRPr/>
+            <a:r>
+              <a:rPr lang="es-MX" dirty="0"/>
+              <a:t>Costos del equipo de desarrollo</a:t>
+            </a:r>
+            <a:br>
+              <a:rPr lang="es-MX" dirty="0"/>
+            </a:br>
+            <a:endParaRPr dirty="0"/>
           </a:p>
         </p:txBody>
       </p:sp>
@@ -5731,10 +6108,6 @@
               </a:spcAft>
               <a:buNone/>
             </a:pPr>
-            <a:r>
-              <a:rPr lang="es-MX" dirty="0"/>
-              <a:t>Costos del equipo de desarrollo</a:t>
-            </a:r>
             <a:endParaRPr dirty="0"/>
           </a:p>
         </p:txBody>
@@ -5960,12 +6333,18 @@
                     <a:p>
                       <a:pPr algn="ctr" fontAlgn="ctr"/>
                       <a:r>
-                        <a:rPr lang="es-MX" sz="1000" u="none" strike="noStrike">
+                        <a:rPr lang="es-MX" sz="1000" u="none" strike="noStrike" dirty="0" err="1">
                           <a:effectLst/>
                         </a:rPr>
-                        <a:t>Lider del proyecto</a:t>
-                      </a:r>
-                      <a:endParaRPr lang="es-MX" sz="1000" b="0" i="0" u="none" strike="noStrike">
+                        <a:t>Lider</a:t>
+                      </a:r>
+                      <a:r>
+                        <a:rPr lang="es-MX" sz="1000" u="none" strike="noStrike" dirty="0">
+                          <a:effectLst/>
+                        </a:rPr>
+                        <a:t> del proyecto</a:t>
+                      </a:r>
+                      <a:endParaRPr lang="es-MX" sz="1000" b="0" i="0" u="none" strike="noStrike" dirty="0">
                         <a:solidFill>
                           <a:srgbClr val="000000"/>
                         </a:solidFill>
@@ -6834,7 +7213,7 @@
 </p:sld>
 </file>
 
-<file path=ppt/slides/slide11.xml><?xml version="1.0" encoding="utf-8"?>
+<file path=ppt/slides/slide13.xml><?xml version="1.0" encoding="utf-8"?>
 <p:sld xmlns:a="http://schemas.openxmlformats.org/drawingml/2006/main" xmlns:r="http://schemas.openxmlformats.org/officeDocument/2006/relationships" xmlns:p="http://schemas.openxmlformats.org/presentationml/2006/main">
   <p:cSld>
     <p:spTree>
@@ -6868,7 +7247,14 @@
           </a:bodyPr>
           <a:lstStyle/>
           <a:p>
-            <a:endParaRPr lang="es-MX"/>
+            <a:r>
+              <a:rPr lang="es-MX" dirty="0"/>
+              <a:t>Costos operacionales</a:t>
+            </a:r>
+            <a:br>
+              <a:rPr lang="es-MX" dirty="0"/>
+            </a:br>
+            <a:endParaRPr lang="es-MX" dirty="0"/>
           </a:p>
         </p:txBody>
       </p:sp>
@@ -6890,10 +7276,7 @@
             <a:pPr marL="114300" indent="0">
               <a:buNone/>
             </a:pPr>
-            <a:r>
-              <a:rPr lang="es-MX" dirty="0"/>
-              <a:t>Costos operacionales</a:t>
-            </a:r>
+            <a:endParaRPr lang="es-MX" dirty="0"/>
           </a:p>
         </p:txBody>
       </p:sp>
@@ -6906,7 +7289,7 @@
           <p:nvPr>
             <p:extLst>
               <p:ext uri="{D42A27DB-BD31-4B8C-83A1-F6EECF244321}">
-                <p14:modId xmlns:p14="http://schemas.microsoft.com/office/powerpoint/2010/main" val="3428944997"/>
+                <p14:modId xmlns:p14="http://schemas.microsoft.com/office/powerpoint/2010/main" val="4093086312"/>
               </p:ext>
             </p:extLst>
           </p:nvPr>
@@ -7082,12 +7465,12 @@
                         </a:spcAft>
                       </a:pPr>
                       <a:r>
-                        <a:rPr lang="es-MX" sz="1200">
+                        <a:rPr lang="es-MX" sz="1200" dirty="0">
                           <a:effectLst/>
                         </a:rPr>
-                        <a:t>Energia electrica</a:t>
-                      </a:r>
-                      <a:endParaRPr lang="es-MX" sz="1000">
+                        <a:t>Energía eléctrica</a:t>
+                      </a:r>
+                      <a:endParaRPr lang="es-MX" sz="1000" dirty="0">
                         <a:effectLst/>
                         <a:latin typeface="Calibri" panose="020F0502020204030204" pitchFamily="34" charset="0"/>
                         <a:ea typeface="SimSun" panose="02010600030101010101" pitchFamily="2" charset="-122"/>
@@ -7337,7 +7720,1467 @@
 </p:sld>
 </file>
 
-<file path=ppt/slides/slide12.xml><?xml version="1.0" encoding="utf-8"?>
+<file path=ppt/slides/slide14.xml><?xml version="1.0" encoding="utf-8"?>
+<p:sld xmlns:a="http://schemas.openxmlformats.org/drawingml/2006/main" xmlns:r="http://schemas.openxmlformats.org/officeDocument/2006/relationships" xmlns:p="http://schemas.openxmlformats.org/presentationml/2006/main">
+  <p:cSld>
+    <p:spTree>
+      <p:nvGrpSpPr>
+        <p:cNvPr id="1" name=""/>
+        <p:cNvGrpSpPr/>
+        <p:nvPr/>
+      </p:nvGrpSpPr>
+      <p:grpSpPr>
+        <a:xfrm>
+          <a:off x="0" y="0"/>
+          <a:ext cx="0" cy="0"/>
+          <a:chOff x="0" y="0"/>
+          <a:chExt cx="0" cy="0"/>
+        </a:xfrm>
+      </p:grpSpPr>
+      <p:sp>
+        <p:nvSpPr>
+          <p:cNvPr id="2" name="Título 1">
+            <a:extLst>
+              <a:ext uri="{FF2B5EF4-FFF2-40B4-BE49-F238E27FC236}">
+                <a16:creationId xmlns:a16="http://schemas.microsoft.com/office/drawing/2014/main" id="{AAD337B4-02B7-4292-89B3-74AF6FC39DC4}"/>
+              </a:ext>
+            </a:extLst>
+          </p:cNvPr>
+          <p:cNvSpPr>
+            <a:spLocks noGrp="1"/>
+          </p:cNvSpPr>
+          <p:nvPr>
+            <p:ph type="title"/>
+          </p:nvPr>
+        </p:nvSpPr>
+        <p:spPr/>
+        <p:txBody>
+          <a:bodyPr>
+            <a:normAutofit fontScale="90000"/>
+          </a:bodyPr>
+          <a:lstStyle/>
+          <a:p>
+            <a:r>
+              <a:rPr lang="es-MX" dirty="0"/>
+              <a:t>Costo total</a:t>
+            </a:r>
+          </a:p>
+        </p:txBody>
+      </p:sp>
+      <p:graphicFrame>
+        <p:nvGraphicFramePr>
+          <p:cNvPr id="4" name="Tabla 3">
+            <a:extLst>
+              <a:ext uri="{FF2B5EF4-FFF2-40B4-BE49-F238E27FC236}">
+                <a16:creationId xmlns:a16="http://schemas.microsoft.com/office/drawing/2014/main" id="{39E6BEA6-B3B7-4E8D-BC44-FCB5F003D5AB}"/>
+              </a:ext>
+            </a:extLst>
+          </p:cNvPr>
+          <p:cNvGraphicFramePr>
+            <a:graphicFrameLocks noGrp="1"/>
+          </p:cNvGraphicFramePr>
+          <p:nvPr>
+            <p:extLst>
+              <p:ext uri="{D42A27DB-BD31-4B8C-83A1-F6EECF244321}">
+                <p14:modId xmlns:p14="http://schemas.microsoft.com/office/powerpoint/2010/main" val="646976326"/>
+              </p:ext>
+            </p:extLst>
+          </p:nvPr>
+        </p:nvGraphicFramePr>
+        <p:xfrm>
+          <a:off x="370114" y="1418845"/>
+          <a:ext cx="7917542" cy="3268846"/>
+        </p:xfrm>
+        <a:graphic>
+          <a:graphicData uri="http://schemas.openxmlformats.org/drawingml/2006/table">
+            <a:tbl>
+              <a:tblPr>
+                <a:tableStyleId>{5C22544A-7EE6-4342-B048-85BDC9FD1C3A}</a:tableStyleId>
+              </a:tblPr>
+              <a:tblGrid>
+                <a:gridCol w="1213082">
+                  <a:extLst>
+                    <a:ext uri="{9D8B030D-6E8A-4147-A177-3AD203B41FA5}">
+                      <a16:colId xmlns:a16="http://schemas.microsoft.com/office/drawing/2014/main" val="13278883"/>
+                    </a:ext>
+                  </a:extLst>
+                </a:gridCol>
+                <a:gridCol w="2419822">
+                  <a:extLst>
+                    <a:ext uri="{9D8B030D-6E8A-4147-A177-3AD203B41FA5}">
+                      <a16:colId xmlns:a16="http://schemas.microsoft.com/office/drawing/2014/main" val="846022062"/>
+                    </a:ext>
+                  </a:extLst>
+                </a:gridCol>
+                <a:gridCol w="1208325">
+                  <a:extLst>
+                    <a:ext uri="{9D8B030D-6E8A-4147-A177-3AD203B41FA5}">
+                      <a16:colId xmlns:a16="http://schemas.microsoft.com/office/drawing/2014/main" val="697764145"/>
+                    </a:ext>
+                  </a:extLst>
+                </a:gridCol>
+                <a:gridCol w="1051338">
+                  <a:extLst>
+                    <a:ext uri="{9D8B030D-6E8A-4147-A177-3AD203B41FA5}">
+                      <a16:colId xmlns:a16="http://schemas.microsoft.com/office/drawing/2014/main" val="2268406689"/>
+                    </a:ext>
+                  </a:extLst>
+                </a:gridCol>
+                <a:gridCol w="860258">
+                  <a:extLst>
+                    <a:ext uri="{9D8B030D-6E8A-4147-A177-3AD203B41FA5}">
+                      <a16:colId xmlns:a16="http://schemas.microsoft.com/office/drawing/2014/main" val="1796815384"/>
+                    </a:ext>
+                  </a:extLst>
+                </a:gridCol>
+                <a:gridCol w="1164717">
+                  <a:extLst>
+                    <a:ext uri="{9D8B030D-6E8A-4147-A177-3AD203B41FA5}">
+                      <a16:colId xmlns:a16="http://schemas.microsoft.com/office/drawing/2014/main" val="838686694"/>
+                    </a:ext>
+                  </a:extLst>
+                </a:gridCol>
+              </a:tblGrid>
+              <a:tr h="512140">
+                <a:tc>
+                  <a:txBody>
+                    <a:bodyPr/>
+                    <a:lstStyle/>
+                    <a:p>
+                      <a:pPr algn="ctr">
+                        <a:lnSpc>
+                          <a:spcPct val="107000"/>
+                        </a:lnSpc>
+                        <a:spcAft>
+                          <a:spcPts val="0"/>
+                        </a:spcAft>
+                      </a:pPr>
+                      <a:r>
+                        <a:rPr lang="es-MX" sz="1100">
+                          <a:effectLst/>
+                        </a:rPr>
+                        <a:t>Puesto</a:t>
+                      </a:r>
+                      <a:endParaRPr lang="es-MX" sz="900">
+                        <a:effectLst/>
+                        <a:latin typeface="Calibri" panose="020F0502020204030204" pitchFamily="34" charset="0"/>
+                        <a:ea typeface="SimSun" panose="02010600030101010101" pitchFamily="2" charset="-122"/>
+                        <a:cs typeface="Times New Roman" panose="02020603050405020304" pitchFamily="18" charset="0"/>
+                      </a:endParaRPr>
+                    </a:p>
+                  </a:txBody>
+                  <a:tcPr marL="60815" marR="60815" marT="0" marB="0"/>
+                </a:tc>
+                <a:tc>
+                  <a:txBody>
+                    <a:bodyPr/>
+                    <a:lstStyle/>
+                    <a:p>
+                      <a:pPr algn="ctr">
+                        <a:lnSpc>
+                          <a:spcPct val="107000"/>
+                        </a:lnSpc>
+                        <a:spcAft>
+                          <a:spcPts val="0"/>
+                        </a:spcAft>
+                      </a:pPr>
+                      <a:r>
+                        <a:rPr lang="es-MX" sz="1100">
+                          <a:effectLst/>
+                        </a:rPr>
+                        <a:t>Actividades</a:t>
+                      </a:r>
+                      <a:endParaRPr lang="es-MX" sz="900">
+                        <a:effectLst/>
+                        <a:latin typeface="Calibri" panose="020F0502020204030204" pitchFamily="34" charset="0"/>
+                        <a:ea typeface="SimSun" panose="02010600030101010101" pitchFamily="2" charset="-122"/>
+                        <a:cs typeface="Times New Roman" panose="02020603050405020304" pitchFamily="18" charset="0"/>
+                      </a:endParaRPr>
+                    </a:p>
+                  </a:txBody>
+                  <a:tcPr marL="60815" marR="60815" marT="0" marB="0"/>
+                </a:tc>
+                <a:tc>
+                  <a:txBody>
+                    <a:bodyPr/>
+                    <a:lstStyle/>
+                    <a:p>
+                      <a:pPr algn="ctr">
+                        <a:lnSpc>
+                          <a:spcPct val="107000"/>
+                        </a:lnSpc>
+                        <a:spcAft>
+                          <a:spcPts val="0"/>
+                        </a:spcAft>
+                      </a:pPr>
+                      <a:r>
+                        <a:rPr lang="es-MX" sz="1100">
+                          <a:effectLst/>
+                        </a:rPr>
+                        <a:t>Salario/hr</a:t>
+                      </a:r>
+                      <a:endParaRPr lang="es-MX" sz="900">
+                        <a:effectLst/>
+                        <a:latin typeface="Calibri" panose="020F0502020204030204" pitchFamily="34" charset="0"/>
+                        <a:ea typeface="SimSun" panose="02010600030101010101" pitchFamily="2" charset="-122"/>
+                        <a:cs typeface="Times New Roman" panose="02020603050405020304" pitchFamily="18" charset="0"/>
+                      </a:endParaRPr>
+                    </a:p>
+                  </a:txBody>
+                  <a:tcPr marL="60815" marR="60815" marT="0" marB="0"/>
+                </a:tc>
+                <a:tc>
+                  <a:txBody>
+                    <a:bodyPr/>
+                    <a:lstStyle/>
+                    <a:p>
+                      <a:pPr algn="ctr">
+                        <a:lnSpc>
+                          <a:spcPct val="107000"/>
+                        </a:lnSpc>
+                        <a:spcAft>
+                          <a:spcPts val="0"/>
+                        </a:spcAft>
+                      </a:pPr>
+                      <a:r>
+                        <a:rPr lang="es-MX" sz="1100">
+                          <a:effectLst/>
+                        </a:rPr>
+                        <a:t>Salario/men</a:t>
+                      </a:r>
+                      <a:endParaRPr lang="es-MX" sz="900">
+                        <a:effectLst/>
+                        <a:latin typeface="Calibri" panose="020F0502020204030204" pitchFamily="34" charset="0"/>
+                        <a:ea typeface="SimSun" panose="02010600030101010101" pitchFamily="2" charset="-122"/>
+                        <a:cs typeface="Times New Roman" panose="02020603050405020304" pitchFamily="18" charset="0"/>
+                      </a:endParaRPr>
+                    </a:p>
+                  </a:txBody>
+                  <a:tcPr marL="60815" marR="60815" marT="0" marB="0"/>
+                </a:tc>
+                <a:tc>
+                  <a:txBody>
+                    <a:bodyPr/>
+                    <a:lstStyle/>
+                    <a:p>
+                      <a:pPr algn="ctr">
+                        <a:lnSpc>
+                          <a:spcPct val="107000"/>
+                        </a:lnSpc>
+                        <a:spcAft>
+                          <a:spcPts val="0"/>
+                        </a:spcAft>
+                      </a:pPr>
+                      <a:r>
+                        <a:rPr lang="es-MX" sz="1100">
+                          <a:effectLst/>
+                        </a:rPr>
+                        <a:t>Cantidad Personal</a:t>
+                      </a:r>
+                      <a:endParaRPr lang="es-MX" sz="900">
+                        <a:effectLst/>
+                        <a:latin typeface="Calibri" panose="020F0502020204030204" pitchFamily="34" charset="0"/>
+                        <a:ea typeface="SimSun" panose="02010600030101010101" pitchFamily="2" charset="-122"/>
+                        <a:cs typeface="Times New Roman" panose="02020603050405020304" pitchFamily="18" charset="0"/>
+                      </a:endParaRPr>
+                    </a:p>
+                  </a:txBody>
+                  <a:tcPr marL="60815" marR="60815" marT="0" marB="0"/>
+                </a:tc>
+                <a:tc>
+                  <a:txBody>
+                    <a:bodyPr/>
+                    <a:lstStyle/>
+                    <a:p>
+                      <a:pPr algn="ctr">
+                        <a:lnSpc>
+                          <a:spcPct val="107000"/>
+                        </a:lnSpc>
+                        <a:spcAft>
+                          <a:spcPts val="0"/>
+                        </a:spcAft>
+                      </a:pPr>
+                      <a:r>
+                        <a:rPr lang="es-MX" sz="1100">
+                          <a:effectLst/>
+                        </a:rPr>
+                        <a:t>Total/mes</a:t>
+                      </a:r>
+                      <a:endParaRPr lang="es-MX" sz="900">
+                        <a:effectLst/>
+                        <a:latin typeface="Calibri" panose="020F0502020204030204" pitchFamily="34" charset="0"/>
+                        <a:ea typeface="SimSun" panose="02010600030101010101" pitchFamily="2" charset="-122"/>
+                        <a:cs typeface="Times New Roman" panose="02020603050405020304" pitchFamily="18" charset="0"/>
+                      </a:endParaRPr>
+                    </a:p>
+                  </a:txBody>
+                  <a:tcPr marL="60815" marR="60815" marT="0" marB="0"/>
+                </a:tc>
+                <a:extLst>
+                  <a:ext uri="{0D108BD9-81ED-4DB2-BD59-A6C34878D82A}">
+                    <a16:rowId xmlns:a16="http://schemas.microsoft.com/office/drawing/2014/main" val="896839270"/>
+                  </a:ext>
+                </a:extLst>
+              </a:tr>
+              <a:tr h="685688">
+                <a:tc>
+                  <a:txBody>
+                    <a:bodyPr/>
+                    <a:lstStyle/>
+                    <a:p>
+                      <a:pPr algn="ctr">
+                        <a:lnSpc>
+                          <a:spcPct val="107000"/>
+                        </a:lnSpc>
+                        <a:spcAft>
+                          <a:spcPts val="0"/>
+                        </a:spcAft>
+                      </a:pPr>
+                      <a:r>
+                        <a:rPr lang="es-MX" sz="1100">
+                          <a:effectLst/>
+                        </a:rPr>
+                        <a:t>Lider del proyecto</a:t>
+                      </a:r>
+                      <a:endParaRPr lang="es-MX" sz="900">
+                        <a:effectLst/>
+                        <a:latin typeface="Calibri" panose="020F0502020204030204" pitchFamily="34" charset="0"/>
+                        <a:ea typeface="SimSun" panose="02010600030101010101" pitchFamily="2" charset="-122"/>
+                        <a:cs typeface="Times New Roman" panose="02020603050405020304" pitchFamily="18" charset="0"/>
+                      </a:endParaRPr>
+                    </a:p>
+                  </a:txBody>
+                  <a:tcPr marL="60815" marR="60815" marT="0" marB="0"/>
+                </a:tc>
+                <a:tc>
+                  <a:txBody>
+                    <a:bodyPr/>
+                    <a:lstStyle/>
+                    <a:p>
+                      <a:pPr algn="ctr">
+                        <a:lnSpc>
+                          <a:spcPct val="107000"/>
+                        </a:lnSpc>
+                        <a:spcAft>
+                          <a:spcPts val="0"/>
+                        </a:spcAft>
+                      </a:pPr>
+                      <a:r>
+                        <a:rPr lang="es-MX" sz="1100">
+                          <a:effectLst/>
+                        </a:rPr>
+                        <a:t>Asigna las actividades a desarrollar, al igual que revisa el avance de cada integrante.</a:t>
+                      </a:r>
+                      <a:endParaRPr lang="es-MX" sz="900">
+                        <a:effectLst/>
+                        <a:latin typeface="Calibri" panose="020F0502020204030204" pitchFamily="34" charset="0"/>
+                        <a:ea typeface="SimSun" panose="02010600030101010101" pitchFamily="2" charset="-122"/>
+                        <a:cs typeface="Times New Roman" panose="02020603050405020304" pitchFamily="18" charset="0"/>
+                      </a:endParaRPr>
+                    </a:p>
+                  </a:txBody>
+                  <a:tcPr marL="60815" marR="60815" marT="0" marB="0"/>
+                </a:tc>
+                <a:tc>
+                  <a:txBody>
+                    <a:bodyPr/>
+                    <a:lstStyle/>
+                    <a:p>
+                      <a:pPr algn="ctr">
+                        <a:lnSpc>
+                          <a:spcPct val="107000"/>
+                        </a:lnSpc>
+                        <a:spcAft>
+                          <a:spcPts val="0"/>
+                        </a:spcAft>
+                      </a:pPr>
+                      <a:r>
+                        <a:rPr lang="es-MX" sz="1100">
+                          <a:effectLst/>
+                        </a:rPr>
+                        <a:t>$    65.00</a:t>
+                      </a:r>
+                      <a:endParaRPr lang="es-MX" sz="900">
+                        <a:effectLst/>
+                        <a:latin typeface="Calibri" panose="020F0502020204030204" pitchFamily="34" charset="0"/>
+                        <a:ea typeface="SimSun" panose="02010600030101010101" pitchFamily="2" charset="-122"/>
+                        <a:cs typeface="Times New Roman" panose="02020603050405020304" pitchFamily="18" charset="0"/>
+                      </a:endParaRPr>
+                    </a:p>
+                  </a:txBody>
+                  <a:tcPr marL="60815" marR="60815" marT="0" marB="0"/>
+                </a:tc>
+                <a:tc>
+                  <a:txBody>
+                    <a:bodyPr/>
+                    <a:lstStyle/>
+                    <a:p>
+                      <a:pPr algn="ctr">
+                        <a:lnSpc>
+                          <a:spcPct val="107000"/>
+                        </a:lnSpc>
+                        <a:spcAft>
+                          <a:spcPts val="0"/>
+                        </a:spcAft>
+                      </a:pPr>
+                      <a:r>
+                        <a:rPr lang="es-MX" sz="1100">
+                          <a:effectLst/>
+                        </a:rPr>
+                        <a:t>$15,600.00</a:t>
+                      </a:r>
+                      <a:endParaRPr lang="es-MX" sz="900">
+                        <a:effectLst/>
+                        <a:latin typeface="Calibri" panose="020F0502020204030204" pitchFamily="34" charset="0"/>
+                        <a:ea typeface="SimSun" panose="02010600030101010101" pitchFamily="2" charset="-122"/>
+                        <a:cs typeface="Times New Roman" panose="02020603050405020304" pitchFamily="18" charset="0"/>
+                      </a:endParaRPr>
+                    </a:p>
+                  </a:txBody>
+                  <a:tcPr marL="60815" marR="60815" marT="0" marB="0"/>
+                </a:tc>
+                <a:tc>
+                  <a:txBody>
+                    <a:bodyPr/>
+                    <a:lstStyle/>
+                    <a:p>
+                      <a:pPr algn="ctr">
+                        <a:lnSpc>
+                          <a:spcPct val="107000"/>
+                        </a:lnSpc>
+                        <a:spcAft>
+                          <a:spcPts val="0"/>
+                        </a:spcAft>
+                      </a:pPr>
+                      <a:r>
+                        <a:rPr lang="es-MX" sz="1100">
+                          <a:effectLst/>
+                        </a:rPr>
+                        <a:t>1</a:t>
+                      </a:r>
+                      <a:endParaRPr lang="es-MX" sz="900">
+                        <a:effectLst/>
+                        <a:latin typeface="Calibri" panose="020F0502020204030204" pitchFamily="34" charset="0"/>
+                        <a:ea typeface="SimSun" panose="02010600030101010101" pitchFamily="2" charset="-122"/>
+                        <a:cs typeface="Times New Roman" panose="02020603050405020304" pitchFamily="18" charset="0"/>
+                      </a:endParaRPr>
+                    </a:p>
+                  </a:txBody>
+                  <a:tcPr marL="60815" marR="60815" marT="0" marB="0"/>
+                </a:tc>
+                <a:tc>
+                  <a:txBody>
+                    <a:bodyPr/>
+                    <a:lstStyle/>
+                    <a:p>
+                      <a:pPr algn="ctr">
+                        <a:lnSpc>
+                          <a:spcPct val="107000"/>
+                        </a:lnSpc>
+                        <a:spcAft>
+                          <a:spcPts val="0"/>
+                        </a:spcAft>
+                      </a:pPr>
+                      <a:r>
+                        <a:rPr lang="es-MX" sz="1100" dirty="0">
+                          <a:effectLst/>
+                        </a:rPr>
+                        <a:t>$15,600.00</a:t>
+                      </a:r>
+                      <a:endParaRPr lang="es-MX" sz="900" dirty="0">
+                        <a:effectLst/>
+                        <a:latin typeface="Calibri" panose="020F0502020204030204" pitchFamily="34" charset="0"/>
+                        <a:ea typeface="SimSun" panose="02010600030101010101" pitchFamily="2" charset="-122"/>
+                        <a:cs typeface="Times New Roman" panose="02020603050405020304" pitchFamily="18" charset="0"/>
+                      </a:endParaRPr>
+                    </a:p>
+                  </a:txBody>
+                  <a:tcPr marL="60815" marR="60815" marT="0" marB="0"/>
+                </a:tc>
+                <a:extLst>
+                  <a:ext uri="{0D108BD9-81ED-4DB2-BD59-A6C34878D82A}">
+                    <a16:rowId xmlns:a16="http://schemas.microsoft.com/office/drawing/2014/main" val="1849887140"/>
+                  </a:ext>
+                </a:extLst>
+              </a:tr>
+              <a:tr h="685688">
+                <a:tc>
+                  <a:txBody>
+                    <a:bodyPr/>
+                    <a:lstStyle/>
+                    <a:p>
+                      <a:pPr algn="ctr">
+                        <a:lnSpc>
+                          <a:spcPct val="107000"/>
+                        </a:lnSpc>
+                        <a:spcAft>
+                          <a:spcPts val="0"/>
+                        </a:spcAft>
+                      </a:pPr>
+                      <a:r>
+                        <a:rPr lang="es-MX" sz="1100" dirty="0">
+                          <a:effectLst/>
+                        </a:rPr>
+                        <a:t>Analista de Sistemas</a:t>
+                      </a:r>
+                      <a:endParaRPr lang="es-MX" sz="900" dirty="0">
+                        <a:effectLst/>
+                        <a:latin typeface="Calibri" panose="020F0502020204030204" pitchFamily="34" charset="0"/>
+                        <a:ea typeface="SimSun" panose="02010600030101010101" pitchFamily="2" charset="-122"/>
+                        <a:cs typeface="Times New Roman" panose="02020603050405020304" pitchFamily="18" charset="0"/>
+                      </a:endParaRPr>
+                    </a:p>
+                  </a:txBody>
+                  <a:tcPr marL="60815" marR="60815" marT="0" marB="0"/>
+                </a:tc>
+                <a:tc>
+                  <a:txBody>
+                    <a:bodyPr/>
+                    <a:lstStyle/>
+                    <a:p>
+                      <a:pPr algn="ctr">
+                        <a:lnSpc>
+                          <a:spcPct val="107000"/>
+                        </a:lnSpc>
+                        <a:spcAft>
+                          <a:spcPts val="0"/>
+                        </a:spcAft>
+                      </a:pPr>
+                      <a:r>
+                        <a:rPr lang="es-MX" sz="1100">
+                          <a:effectLst/>
+                        </a:rPr>
+                        <a:t>Obtiene los requerimientos que necesita el sistema. Al igual que relaiza los modelos.</a:t>
+                      </a:r>
+                      <a:endParaRPr lang="es-MX" sz="900">
+                        <a:effectLst/>
+                        <a:latin typeface="Calibri" panose="020F0502020204030204" pitchFamily="34" charset="0"/>
+                        <a:ea typeface="SimSun" panose="02010600030101010101" pitchFamily="2" charset="-122"/>
+                        <a:cs typeface="Times New Roman" panose="02020603050405020304" pitchFamily="18" charset="0"/>
+                      </a:endParaRPr>
+                    </a:p>
+                  </a:txBody>
+                  <a:tcPr marL="60815" marR="60815" marT="0" marB="0"/>
+                </a:tc>
+                <a:tc>
+                  <a:txBody>
+                    <a:bodyPr/>
+                    <a:lstStyle/>
+                    <a:p>
+                      <a:pPr algn="ctr">
+                        <a:lnSpc>
+                          <a:spcPct val="107000"/>
+                        </a:lnSpc>
+                        <a:spcAft>
+                          <a:spcPts val="0"/>
+                        </a:spcAft>
+                      </a:pPr>
+                      <a:r>
+                        <a:rPr lang="es-MX" sz="1100">
+                          <a:effectLst/>
+                        </a:rPr>
+                        <a:t>$    50.00</a:t>
+                      </a:r>
+                      <a:endParaRPr lang="es-MX" sz="900">
+                        <a:effectLst/>
+                        <a:latin typeface="Calibri" panose="020F0502020204030204" pitchFamily="34" charset="0"/>
+                        <a:ea typeface="SimSun" panose="02010600030101010101" pitchFamily="2" charset="-122"/>
+                        <a:cs typeface="Times New Roman" panose="02020603050405020304" pitchFamily="18" charset="0"/>
+                      </a:endParaRPr>
+                    </a:p>
+                  </a:txBody>
+                  <a:tcPr marL="60815" marR="60815" marT="0" marB="0"/>
+                </a:tc>
+                <a:tc>
+                  <a:txBody>
+                    <a:bodyPr/>
+                    <a:lstStyle/>
+                    <a:p>
+                      <a:pPr algn="ctr">
+                        <a:lnSpc>
+                          <a:spcPct val="107000"/>
+                        </a:lnSpc>
+                        <a:spcAft>
+                          <a:spcPts val="0"/>
+                        </a:spcAft>
+                      </a:pPr>
+                      <a:r>
+                        <a:rPr lang="es-MX" sz="1100">
+                          <a:effectLst/>
+                        </a:rPr>
+                        <a:t>$12,000.00</a:t>
+                      </a:r>
+                      <a:endParaRPr lang="es-MX" sz="900">
+                        <a:effectLst/>
+                        <a:latin typeface="Calibri" panose="020F0502020204030204" pitchFamily="34" charset="0"/>
+                        <a:ea typeface="SimSun" panose="02010600030101010101" pitchFamily="2" charset="-122"/>
+                        <a:cs typeface="Times New Roman" panose="02020603050405020304" pitchFamily="18" charset="0"/>
+                      </a:endParaRPr>
+                    </a:p>
+                  </a:txBody>
+                  <a:tcPr marL="60815" marR="60815" marT="0" marB="0"/>
+                </a:tc>
+                <a:tc>
+                  <a:txBody>
+                    <a:bodyPr/>
+                    <a:lstStyle/>
+                    <a:p>
+                      <a:pPr algn="ctr">
+                        <a:lnSpc>
+                          <a:spcPct val="107000"/>
+                        </a:lnSpc>
+                        <a:spcAft>
+                          <a:spcPts val="0"/>
+                        </a:spcAft>
+                      </a:pPr>
+                      <a:r>
+                        <a:rPr lang="es-MX" sz="1100">
+                          <a:effectLst/>
+                        </a:rPr>
+                        <a:t>3</a:t>
+                      </a:r>
+                      <a:endParaRPr lang="es-MX" sz="900">
+                        <a:effectLst/>
+                        <a:latin typeface="Calibri" panose="020F0502020204030204" pitchFamily="34" charset="0"/>
+                        <a:ea typeface="SimSun" panose="02010600030101010101" pitchFamily="2" charset="-122"/>
+                        <a:cs typeface="Times New Roman" panose="02020603050405020304" pitchFamily="18" charset="0"/>
+                      </a:endParaRPr>
+                    </a:p>
+                  </a:txBody>
+                  <a:tcPr marL="60815" marR="60815" marT="0" marB="0"/>
+                </a:tc>
+                <a:tc>
+                  <a:txBody>
+                    <a:bodyPr/>
+                    <a:lstStyle/>
+                    <a:p>
+                      <a:pPr algn="ctr">
+                        <a:lnSpc>
+                          <a:spcPct val="107000"/>
+                        </a:lnSpc>
+                        <a:spcAft>
+                          <a:spcPts val="0"/>
+                        </a:spcAft>
+                      </a:pPr>
+                      <a:r>
+                        <a:rPr lang="es-MX" sz="1100" dirty="0">
+                          <a:effectLst/>
+                        </a:rPr>
+                        <a:t>$36,000.00</a:t>
+                      </a:r>
+                      <a:endParaRPr lang="es-MX" sz="900" dirty="0">
+                        <a:effectLst/>
+                        <a:latin typeface="Calibri" panose="020F0502020204030204" pitchFamily="34" charset="0"/>
+                        <a:ea typeface="SimSun" panose="02010600030101010101" pitchFamily="2" charset="-122"/>
+                        <a:cs typeface="Times New Roman" panose="02020603050405020304" pitchFamily="18" charset="0"/>
+                      </a:endParaRPr>
+                    </a:p>
+                  </a:txBody>
+                  <a:tcPr marL="60815" marR="60815" marT="0" marB="0"/>
+                </a:tc>
+                <a:extLst>
+                  <a:ext uri="{0D108BD9-81ED-4DB2-BD59-A6C34878D82A}">
+                    <a16:rowId xmlns:a16="http://schemas.microsoft.com/office/drawing/2014/main" val="3615154220"/>
+                  </a:ext>
+                </a:extLst>
+              </a:tr>
+              <a:tr h="338593">
+                <a:tc>
+                  <a:txBody>
+                    <a:bodyPr/>
+                    <a:lstStyle/>
+                    <a:p>
+                      <a:pPr algn="ctr">
+                        <a:lnSpc>
+                          <a:spcPct val="107000"/>
+                        </a:lnSpc>
+                        <a:spcAft>
+                          <a:spcPts val="0"/>
+                        </a:spcAft>
+                      </a:pPr>
+                      <a:r>
+                        <a:rPr lang="es-MX" sz="1100">
+                          <a:effectLst/>
+                        </a:rPr>
+                        <a:t>Programador</a:t>
+                      </a:r>
+                      <a:endParaRPr lang="es-MX" sz="900">
+                        <a:effectLst/>
+                        <a:latin typeface="Calibri" panose="020F0502020204030204" pitchFamily="34" charset="0"/>
+                        <a:ea typeface="SimSun" panose="02010600030101010101" pitchFamily="2" charset="-122"/>
+                        <a:cs typeface="Times New Roman" panose="02020603050405020304" pitchFamily="18" charset="0"/>
+                      </a:endParaRPr>
+                    </a:p>
+                  </a:txBody>
+                  <a:tcPr marL="60815" marR="60815" marT="0" marB="0"/>
+                </a:tc>
+                <a:tc>
+                  <a:txBody>
+                    <a:bodyPr/>
+                    <a:lstStyle/>
+                    <a:p>
+                      <a:pPr algn="ctr">
+                        <a:lnSpc>
+                          <a:spcPct val="107000"/>
+                        </a:lnSpc>
+                        <a:spcAft>
+                          <a:spcPts val="0"/>
+                        </a:spcAft>
+                      </a:pPr>
+                      <a:r>
+                        <a:rPr lang="es-MX" sz="1100">
+                          <a:effectLst/>
+                        </a:rPr>
+                        <a:t>Desarrolla el producto de software.</a:t>
+                      </a:r>
+                      <a:endParaRPr lang="es-MX" sz="900">
+                        <a:effectLst/>
+                        <a:latin typeface="Calibri" panose="020F0502020204030204" pitchFamily="34" charset="0"/>
+                        <a:ea typeface="SimSun" panose="02010600030101010101" pitchFamily="2" charset="-122"/>
+                        <a:cs typeface="Times New Roman" panose="02020603050405020304" pitchFamily="18" charset="0"/>
+                      </a:endParaRPr>
+                    </a:p>
+                  </a:txBody>
+                  <a:tcPr marL="60815" marR="60815" marT="0" marB="0"/>
+                </a:tc>
+                <a:tc>
+                  <a:txBody>
+                    <a:bodyPr/>
+                    <a:lstStyle/>
+                    <a:p>
+                      <a:pPr algn="ctr">
+                        <a:lnSpc>
+                          <a:spcPct val="107000"/>
+                        </a:lnSpc>
+                        <a:spcAft>
+                          <a:spcPts val="0"/>
+                        </a:spcAft>
+                      </a:pPr>
+                      <a:r>
+                        <a:rPr lang="es-MX" sz="1100">
+                          <a:effectLst/>
+                        </a:rPr>
+                        <a:t>$    40.00</a:t>
+                      </a:r>
+                      <a:endParaRPr lang="es-MX" sz="900">
+                        <a:effectLst/>
+                        <a:latin typeface="Calibri" panose="020F0502020204030204" pitchFamily="34" charset="0"/>
+                        <a:ea typeface="SimSun" panose="02010600030101010101" pitchFamily="2" charset="-122"/>
+                        <a:cs typeface="Times New Roman" panose="02020603050405020304" pitchFamily="18" charset="0"/>
+                      </a:endParaRPr>
+                    </a:p>
+                  </a:txBody>
+                  <a:tcPr marL="60815" marR="60815" marT="0" marB="0"/>
+                </a:tc>
+                <a:tc>
+                  <a:txBody>
+                    <a:bodyPr/>
+                    <a:lstStyle/>
+                    <a:p>
+                      <a:pPr algn="ctr">
+                        <a:lnSpc>
+                          <a:spcPct val="107000"/>
+                        </a:lnSpc>
+                        <a:spcAft>
+                          <a:spcPts val="0"/>
+                        </a:spcAft>
+                      </a:pPr>
+                      <a:r>
+                        <a:rPr lang="es-MX" sz="1100">
+                          <a:effectLst/>
+                        </a:rPr>
+                        <a:t>$  4,800.00</a:t>
+                      </a:r>
+                      <a:endParaRPr lang="es-MX" sz="900">
+                        <a:effectLst/>
+                        <a:latin typeface="Calibri" panose="020F0502020204030204" pitchFamily="34" charset="0"/>
+                        <a:ea typeface="SimSun" panose="02010600030101010101" pitchFamily="2" charset="-122"/>
+                        <a:cs typeface="Times New Roman" panose="02020603050405020304" pitchFamily="18" charset="0"/>
+                      </a:endParaRPr>
+                    </a:p>
+                  </a:txBody>
+                  <a:tcPr marL="60815" marR="60815" marT="0" marB="0"/>
+                </a:tc>
+                <a:tc>
+                  <a:txBody>
+                    <a:bodyPr/>
+                    <a:lstStyle/>
+                    <a:p>
+                      <a:pPr algn="ctr">
+                        <a:lnSpc>
+                          <a:spcPct val="107000"/>
+                        </a:lnSpc>
+                        <a:spcAft>
+                          <a:spcPts val="0"/>
+                        </a:spcAft>
+                      </a:pPr>
+                      <a:r>
+                        <a:rPr lang="es-MX" sz="1100">
+                          <a:effectLst/>
+                        </a:rPr>
+                        <a:t>4</a:t>
+                      </a:r>
+                      <a:endParaRPr lang="es-MX" sz="900">
+                        <a:effectLst/>
+                        <a:latin typeface="Calibri" panose="020F0502020204030204" pitchFamily="34" charset="0"/>
+                        <a:ea typeface="SimSun" panose="02010600030101010101" pitchFamily="2" charset="-122"/>
+                        <a:cs typeface="Times New Roman" panose="02020603050405020304" pitchFamily="18" charset="0"/>
+                      </a:endParaRPr>
+                    </a:p>
+                  </a:txBody>
+                  <a:tcPr marL="60815" marR="60815" marT="0" marB="0"/>
+                </a:tc>
+                <a:tc>
+                  <a:txBody>
+                    <a:bodyPr/>
+                    <a:lstStyle/>
+                    <a:p>
+                      <a:pPr algn="ctr">
+                        <a:lnSpc>
+                          <a:spcPct val="107000"/>
+                        </a:lnSpc>
+                        <a:spcAft>
+                          <a:spcPts val="0"/>
+                        </a:spcAft>
+                      </a:pPr>
+                      <a:r>
+                        <a:rPr lang="es-MX" sz="1100">
+                          <a:effectLst/>
+                        </a:rPr>
+                        <a:t>$19,200.00</a:t>
+                      </a:r>
+                      <a:endParaRPr lang="es-MX" sz="900">
+                        <a:effectLst/>
+                        <a:latin typeface="Calibri" panose="020F0502020204030204" pitchFamily="34" charset="0"/>
+                        <a:ea typeface="SimSun" panose="02010600030101010101" pitchFamily="2" charset="-122"/>
+                        <a:cs typeface="Times New Roman" panose="02020603050405020304" pitchFamily="18" charset="0"/>
+                      </a:endParaRPr>
+                    </a:p>
+                  </a:txBody>
+                  <a:tcPr marL="60815" marR="60815" marT="0" marB="0"/>
+                </a:tc>
+                <a:extLst>
+                  <a:ext uri="{0D108BD9-81ED-4DB2-BD59-A6C34878D82A}">
+                    <a16:rowId xmlns:a16="http://schemas.microsoft.com/office/drawing/2014/main" val="3567278058"/>
+                  </a:ext>
+                </a:extLst>
+              </a:tr>
+              <a:tr h="471878">
+                <a:tc>
+                  <a:txBody>
+                    <a:bodyPr/>
+                    <a:lstStyle/>
+                    <a:p>
+                      <a:pPr algn="ctr">
+                        <a:lnSpc>
+                          <a:spcPct val="107000"/>
+                        </a:lnSpc>
+                        <a:spcAft>
+                          <a:spcPts val="0"/>
+                        </a:spcAft>
+                      </a:pPr>
+                      <a:r>
+                        <a:rPr lang="es-MX" sz="1100">
+                          <a:effectLst/>
+                        </a:rPr>
+                        <a:t>Diseñador</a:t>
+                      </a:r>
+                      <a:endParaRPr lang="es-MX" sz="900">
+                        <a:effectLst/>
+                        <a:latin typeface="Calibri" panose="020F0502020204030204" pitchFamily="34" charset="0"/>
+                        <a:ea typeface="SimSun" panose="02010600030101010101" pitchFamily="2" charset="-122"/>
+                        <a:cs typeface="Times New Roman" panose="02020603050405020304" pitchFamily="18" charset="0"/>
+                      </a:endParaRPr>
+                    </a:p>
+                  </a:txBody>
+                  <a:tcPr marL="60815" marR="60815" marT="0" marB="0"/>
+                </a:tc>
+                <a:tc>
+                  <a:txBody>
+                    <a:bodyPr/>
+                    <a:lstStyle/>
+                    <a:p>
+                      <a:pPr algn="ctr">
+                        <a:lnSpc>
+                          <a:spcPct val="107000"/>
+                        </a:lnSpc>
+                        <a:spcAft>
+                          <a:spcPts val="0"/>
+                        </a:spcAft>
+                      </a:pPr>
+                      <a:r>
+                        <a:rPr lang="es-MX" sz="1100">
+                          <a:effectLst/>
+                        </a:rPr>
+                        <a:t>Encargado de diseñar una solución para el sistema.</a:t>
+                      </a:r>
+                      <a:endParaRPr lang="es-MX" sz="900">
+                        <a:effectLst/>
+                        <a:latin typeface="Calibri" panose="020F0502020204030204" pitchFamily="34" charset="0"/>
+                        <a:ea typeface="SimSun" panose="02010600030101010101" pitchFamily="2" charset="-122"/>
+                        <a:cs typeface="Times New Roman" panose="02020603050405020304" pitchFamily="18" charset="0"/>
+                      </a:endParaRPr>
+                    </a:p>
+                  </a:txBody>
+                  <a:tcPr marL="60815" marR="60815" marT="0" marB="0"/>
+                </a:tc>
+                <a:tc>
+                  <a:txBody>
+                    <a:bodyPr/>
+                    <a:lstStyle/>
+                    <a:p>
+                      <a:pPr algn="ctr">
+                        <a:lnSpc>
+                          <a:spcPct val="107000"/>
+                        </a:lnSpc>
+                        <a:spcAft>
+                          <a:spcPts val="0"/>
+                        </a:spcAft>
+                      </a:pPr>
+                      <a:r>
+                        <a:rPr lang="es-MX" sz="1100">
+                          <a:effectLst/>
+                        </a:rPr>
+                        <a:t>$    55.00</a:t>
+                      </a:r>
+                      <a:endParaRPr lang="es-MX" sz="900">
+                        <a:effectLst/>
+                        <a:latin typeface="Calibri" panose="020F0502020204030204" pitchFamily="34" charset="0"/>
+                        <a:ea typeface="SimSun" panose="02010600030101010101" pitchFamily="2" charset="-122"/>
+                        <a:cs typeface="Times New Roman" panose="02020603050405020304" pitchFamily="18" charset="0"/>
+                      </a:endParaRPr>
+                    </a:p>
+                  </a:txBody>
+                  <a:tcPr marL="60815" marR="60815" marT="0" marB="0"/>
+                </a:tc>
+                <a:tc>
+                  <a:txBody>
+                    <a:bodyPr/>
+                    <a:lstStyle/>
+                    <a:p>
+                      <a:pPr algn="ctr">
+                        <a:lnSpc>
+                          <a:spcPct val="107000"/>
+                        </a:lnSpc>
+                        <a:spcAft>
+                          <a:spcPts val="0"/>
+                        </a:spcAft>
+                      </a:pPr>
+                      <a:r>
+                        <a:rPr lang="es-MX" sz="1100">
+                          <a:effectLst/>
+                        </a:rPr>
+                        <a:t>$  6,600.00</a:t>
+                      </a:r>
+                      <a:endParaRPr lang="es-MX" sz="900">
+                        <a:effectLst/>
+                        <a:latin typeface="Calibri" panose="020F0502020204030204" pitchFamily="34" charset="0"/>
+                        <a:ea typeface="SimSun" panose="02010600030101010101" pitchFamily="2" charset="-122"/>
+                        <a:cs typeface="Times New Roman" panose="02020603050405020304" pitchFamily="18" charset="0"/>
+                      </a:endParaRPr>
+                    </a:p>
+                  </a:txBody>
+                  <a:tcPr marL="60815" marR="60815" marT="0" marB="0"/>
+                </a:tc>
+                <a:tc>
+                  <a:txBody>
+                    <a:bodyPr/>
+                    <a:lstStyle/>
+                    <a:p>
+                      <a:pPr algn="ctr">
+                        <a:lnSpc>
+                          <a:spcPct val="107000"/>
+                        </a:lnSpc>
+                        <a:spcAft>
+                          <a:spcPts val="0"/>
+                        </a:spcAft>
+                      </a:pPr>
+                      <a:r>
+                        <a:rPr lang="es-MX" sz="1100">
+                          <a:effectLst/>
+                        </a:rPr>
+                        <a:t>2</a:t>
+                      </a:r>
+                      <a:endParaRPr lang="es-MX" sz="900">
+                        <a:effectLst/>
+                        <a:latin typeface="Calibri" panose="020F0502020204030204" pitchFamily="34" charset="0"/>
+                        <a:ea typeface="SimSun" panose="02010600030101010101" pitchFamily="2" charset="-122"/>
+                        <a:cs typeface="Times New Roman" panose="02020603050405020304" pitchFamily="18" charset="0"/>
+                      </a:endParaRPr>
+                    </a:p>
+                  </a:txBody>
+                  <a:tcPr marL="60815" marR="60815" marT="0" marB="0"/>
+                </a:tc>
+                <a:tc>
+                  <a:txBody>
+                    <a:bodyPr/>
+                    <a:lstStyle/>
+                    <a:p>
+                      <a:pPr algn="ctr">
+                        <a:lnSpc>
+                          <a:spcPct val="107000"/>
+                        </a:lnSpc>
+                        <a:spcAft>
+                          <a:spcPts val="0"/>
+                        </a:spcAft>
+                      </a:pPr>
+                      <a:r>
+                        <a:rPr lang="es-MX" sz="1100">
+                          <a:effectLst/>
+                        </a:rPr>
+                        <a:t>$13,200.00</a:t>
+                      </a:r>
+                      <a:endParaRPr lang="es-MX" sz="900">
+                        <a:effectLst/>
+                        <a:latin typeface="Calibri" panose="020F0502020204030204" pitchFamily="34" charset="0"/>
+                        <a:ea typeface="SimSun" panose="02010600030101010101" pitchFamily="2" charset="-122"/>
+                        <a:cs typeface="Times New Roman" panose="02020603050405020304" pitchFamily="18" charset="0"/>
+                      </a:endParaRPr>
+                    </a:p>
+                  </a:txBody>
+                  <a:tcPr marL="60815" marR="60815" marT="0" marB="0"/>
+                </a:tc>
+                <a:extLst>
+                  <a:ext uri="{0D108BD9-81ED-4DB2-BD59-A6C34878D82A}">
+                    <a16:rowId xmlns:a16="http://schemas.microsoft.com/office/drawing/2014/main" val="1722427972"/>
+                  </a:ext>
+                </a:extLst>
+              </a:tr>
+              <a:tr h="404869">
+                <a:tc>
+                  <a:txBody>
+                    <a:bodyPr/>
+                    <a:lstStyle/>
+                    <a:p>
+                      <a:pPr algn="ctr">
+                        <a:lnSpc>
+                          <a:spcPct val="107000"/>
+                        </a:lnSpc>
+                        <a:spcAft>
+                          <a:spcPts val="0"/>
+                        </a:spcAft>
+                      </a:pPr>
+                      <a:r>
+                        <a:rPr lang="es-MX" sz="1100">
+                          <a:effectLst/>
+                        </a:rPr>
+                        <a:t>Tester</a:t>
+                      </a:r>
+                      <a:endParaRPr lang="es-MX" sz="900">
+                        <a:effectLst/>
+                        <a:latin typeface="Calibri" panose="020F0502020204030204" pitchFamily="34" charset="0"/>
+                        <a:ea typeface="SimSun" panose="02010600030101010101" pitchFamily="2" charset="-122"/>
+                        <a:cs typeface="Times New Roman" panose="02020603050405020304" pitchFamily="18" charset="0"/>
+                      </a:endParaRPr>
+                    </a:p>
+                  </a:txBody>
+                  <a:tcPr marL="60815" marR="60815" marT="0" marB="0"/>
+                </a:tc>
+                <a:tc>
+                  <a:txBody>
+                    <a:bodyPr/>
+                    <a:lstStyle/>
+                    <a:p>
+                      <a:pPr algn="ctr">
+                        <a:lnSpc>
+                          <a:spcPct val="107000"/>
+                        </a:lnSpc>
+                        <a:spcAft>
+                          <a:spcPts val="0"/>
+                        </a:spcAft>
+                      </a:pPr>
+                      <a:r>
+                        <a:rPr lang="es-MX" sz="1100">
+                          <a:effectLst/>
+                        </a:rPr>
+                        <a:t>Encargado de realizar pruebas para el sistema.</a:t>
+                      </a:r>
+                      <a:endParaRPr lang="es-MX" sz="900">
+                        <a:effectLst/>
+                        <a:latin typeface="Calibri" panose="020F0502020204030204" pitchFamily="34" charset="0"/>
+                        <a:ea typeface="SimSun" panose="02010600030101010101" pitchFamily="2" charset="-122"/>
+                        <a:cs typeface="Times New Roman" panose="02020603050405020304" pitchFamily="18" charset="0"/>
+                      </a:endParaRPr>
+                    </a:p>
+                  </a:txBody>
+                  <a:tcPr marL="60815" marR="60815" marT="0" marB="0"/>
+                </a:tc>
+                <a:tc>
+                  <a:txBody>
+                    <a:bodyPr/>
+                    <a:lstStyle/>
+                    <a:p>
+                      <a:pPr algn="ctr">
+                        <a:lnSpc>
+                          <a:spcPct val="107000"/>
+                        </a:lnSpc>
+                        <a:spcAft>
+                          <a:spcPts val="0"/>
+                        </a:spcAft>
+                      </a:pPr>
+                      <a:r>
+                        <a:rPr lang="es-MX" sz="1100">
+                          <a:effectLst/>
+                        </a:rPr>
+                        <a:t>$    50.00</a:t>
+                      </a:r>
+                      <a:endParaRPr lang="es-MX" sz="900">
+                        <a:effectLst/>
+                        <a:latin typeface="Calibri" panose="020F0502020204030204" pitchFamily="34" charset="0"/>
+                        <a:ea typeface="SimSun" panose="02010600030101010101" pitchFamily="2" charset="-122"/>
+                        <a:cs typeface="Times New Roman" panose="02020603050405020304" pitchFamily="18" charset="0"/>
+                      </a:endParaRPr>
+                    </a:p>
+                  </a:txBody>
+                  <a:tcPr marL="60815" marR="60815" marT="0" marB="0"/>
+                </a:tc>
+                <a:tc>
+                  <a:txBody>
+                    <a:bodyPr/>
+                    <a:lstStyle/>
+                    <a:p>
+                      <a:pPr algn="ctr">
+                        <a:lnSpc>
+                          <a:spcPct val="107000"/>
+                        </a:lnSpc>
+                        <a:spcAft>
+                          <a:spcPts val="0"/>
+                        </a:spcAft>
+                      </a:pPr>
+                      <a:r>
+                        <a:rPr lang="es-MX" sz="1100">
+                          <a:effectLst/>
+                        </a:rPr>
+                        <a:t>$  6,000.00</a:t>
+                      </a:r>
+                      <a:endParaRPr lang="es-MX" sz="900">
+                        <a:effectLst/>
+                        <a:latin typeface="Calibri" panose="020F0502020204030204" pitchFamily="34" charset="0"/>
+                        <a:ea typeface="SimSun" panose="02010600030101010101" pitchFamily="2" charset="-122"/>
+                        <a:cs typeface="Times New Roman" panose="02020603050405020304" pitchFamily="18" charset="0"/>
+                      </a:endParaRPr>
+                    </a:p>
+                  </a:txBody>
+                  <a:tcPr marL="60815" marR="60815" marT="0" marB="0"/>
+                </a:tc>
+                <a:tc>
+                  <a:txBody>
+                    <a:bodyPr/>
+                    <a:lstStyle/>
+                    <a:p>
+                      <a:pPr algn="ctr">
+                        <a:lnSpc>
+                          <a:spcPct val="107000"/>
+                        </a:lnSpc>
+                        <a:spcAft>
+                          <a:spcPts val="0"/>
+                        </a:spcAft>
+                      </a:pPr>
+                      <a:r>
+                        <a:rPr lang="es-MX" sz="1100">
+                          <a:effectLst/>
+                        </a:rPr>
+                        <a:t>2</a:t>
+                      </a:r>
+                      <a:endParaRPr lang="es-MX" sz="900">
+                        <a:effectLst/>
+                        <a:latin typeface="Calibri" panose="020F0502020204030204" pitchFamily="34" charset="0"/>
+                        <a:ea typeface="SimSun" panose="02010600030101010101" pitchFamily="2" charset="-122"/>
+                        <a:cs typeface="Times New Roman" panose="02020603050405020304" pitchFamily="18" charset="0"/>
+                      </a:endParaRPr>
+                    </a:p>
+                  </a:txBody>
+                  <a:tcPr marL="60815" marR="60815" marT="0" marB="0"/>
+                </a:tc>
+                <a:tc>
+                  <a:txBody>
+                    <a:bodyPr/>
+                    <a:lstStyle/>
+                    <a:p>
+                      <a:pPr algn="ctr">
+                        <a:lnSpc>
+                          <a:spcPct val="107000"/>
+                        </a:lnSpc>
+                        <a:spcAft>
+                          <a:spcPts val="0"/>
+                        </a:spcAft>
+                      </a:pPr>
+                      <a:r>
+                        <a:rPr lang="es-MX" sz="1100">
+                          <a:effectLst/>
+                        </a:rPr>
+                        <a:t>$12,000.00</a:t>
+                      </a:r>
+                      <a:endParaRPr lang="es-MX" sz="900">
+                        <a:effectLst/>
+                        <a:latin typeface="Calibri" panose="020F0502020204030204" pitchFamily="34" charset="0"/>
+                        <a:ea typeface="SimSun" panose="02010600030101010101" pitchFamily="2" charset="-122"/>
+                        <a:cs typeface="Times New Roman" panose="02020603050405020304" pitchFamily="18" charset="0"/>
+                      </a:endParaRPr>
+                    </a:p>
+                  </a:txBody>
+                  <a:tcPr marL="60815" marR="60815" marT="0" marB="0"/>
+                </a:tc>
+                <a:extLst>
+                  <a:ext uri="{0D108BD9-81ED-4DB2-BD59-A6C34878D82A}">
+                    <a16:rowId xmlns:a16="http://schemas.microsoft.com/office/drawing/2014/main" val="1504560811"/>
+                  </a:ext>
+                </a:extLst>
+              </a:tr>
+              <a:tr h="165045">
+                <a:tc>
+                  <a:txBody>
+                    <a:bodyPr/>
+                    <a:lstStyle/>
+                    <a:p>
+                      <a:pPr algn="ctr">
+                        <a:lnSpc>
+                          <a:spcPct val="107000"/>
+                        </a:lnSpc>
+                        <a:spcAft>
+                          <a:spcPts val="0"/>
+                        </a:spcAft>
+                      </a:pPr>
+                      <a:r>
+                        <a:rPr lang="es-MX" sz="1100">
+                          <a:effectLst/>
+                        </a:rPr>
+                        <a:t>Total</a:t>
+                      </a:r>
+                      <a:endParaRPr lang="es-MX" sz="900">
+                        <a:effectLst/>
+                        <a:latin typeface="Calibri" panose="020F0502020204030204" pitchFamily="34" charset="0"/>
+                        <a:ea typeface="SimSun" panose="02010600030101010101" pitchFamily="2" charset="-122"/>
+                        <a:cs typeface="Times New Roman" panose="02020603050405020304" pitchFamily="18" charset="0"/>
+                      </a:endParaRPr>
+                    </a:p>
+                  </a:txBody>
+                  <a:tcPr marL="60815" marR="60815" marT="0" marB="0"/>
+                </a:tc>
+                <a:tc>
+                  <a:txBody>
+                    <a:bodyPr/>
+                    <a:lstStyle/>
+                    <a:p>
+                      <a:pPr algn="l">
+                        <a:lnSpc>
+                          <a:spcPct val="107000"/>
+                        </a:lnSpc>
+                      </a:pPr>
+                      <a:endParaRPr lang="es-MX" sz="900">
+                        <a:effectLst/>
+                        <a:latin typeface="Times New Roman" panose="02020603050405020304" pitchFamily="18" charset="0"/>
+                      </a:endParaRPr>
+                    </a:p>
+                  </a:txBody>
+                  <a:tcPr marL="60815" marR="60815" marT="0" marB="0"/>
+                </a:tc>
+                <a:tc>
+                  <a:txBody>
+                    <a:bodyPr/>
+                    <a:lstStyle/>
+                    <a:p>
+                      <a:pPr algn="l">
+                        <a:lnSpc>
+                          <a:spcPct val="107000"/>
+                        </a:lnSpc>
+                      </a:pPr>
+                      <a:endParaRPr lang="es-MX" sz="900">
+                        <a:effectLst/>
+                        <a:latin typeface="Times New Roman" panose="02020603050405020304" pitchFamily="18" charset="0"/>
+                      </a:endParaRPr>
+                    </a:p>
+                  </a:txBody>
+                  <a:tcPr marL="60815" marR="60815" marT="0" marB="0"/>
+                </a:tc>
+                <a:tc>
+                  <a:txBody>
+                    <a:bodyPr/>
+                    <a:lstStyle/>
+                    <a:p>
+                      <a:pPr algn="ctr">
+                        <a:lnSpc>
+                          <a:spcPct val="107000"/>
+                        </a:lnSpc>
+                        <a:spcAft>
+                          <a:spcPts val="0"/>
+                        </a:spcAft>
+                      </a:pPr>
+                      <a:r>
+                        <a:rPr lang="es-MX" sz="1100">
+                          <a:effectLst/>
+                        </a:rPr>
+                        <a:t>$45,000.00</a:t>
+                      </a:r>
+                      <a:endParaRPr lang="es-MX" sz="900">
+                        <a:effectLst/>
+                        <a:latin typeface="Calibri" panose="020F0502020204030204" pitchFamily="34" charset="0"/>
+                        <a:ea typeface="SimSun" panose="02010600030101010101" pitchFamily="2" charset="-122"/>
+                        <a:cs typeface="Times New Roman" panose="02020603050405020304" pitchFamily="18" charset="0"/>
+                      </a:endParaRPr>
+                    </a:p>
+                  </a:txBody>
+                  <a:tcPr marL="60815" marR="60815" marT="0" marB="0"/>
+                </a:tc>
+                <a:tc>
+                  <a:txBody>
+                    <a:bodyPr/>
+                    <a:lstStyle/>
+                    <a:p>
+                      <a:pPr algn="l">
+                        <a:lnSpc>
+                          <a:spcPct val="107000"/>
+                        </a:lnSpc>
+                      </a:pPr>
+                      <a:endParaRPr lang="es-MX" sz="900">
+                        <a:effectLst/>
+                        <a:latin typeface="Times New Roman" panose="02020603050405020304" pitchFamily="18" charset="0"/>
+                      </a:endParaRPr>
+                    </a:p>
+                  </a:txBody>
+                  <a:tcPr marL="60815" marR="60815" marT="0" marB="0"/>
+                </a:tc>
+                <a:tc>
+                  <a:txBody>
+                    <a:bodyPr/>
+                    <a:lstStyle/>
+                    <a:p>
+                      <a:pPr algn="ctr">
+                        <a:lnSpc>
+                          <a:spcPct val="107000"/>
+                        </a:lnSpc>
+                        <a:spcAft>
+                          <a:spcPts val="0"/>
+                        </a:spcAft>
+                      </a:pPr>
+                      <a:r>
+                        <a:rPr lang="es-MX" sz="1100" dirty="0">
+                          <a:effectLst/>
+                        </a:rPr>
+                        <a:t>$96,000.00</a:t>
+                      </a:r>
+                      <a:endParaRPr lang="es-MX" sz="900" dirty="0">
+                        <a:effectLst/>
+                        <a:latin typeface="Calibri" panose="020F0502020204030204" pitchFamily="34" charset="0"/>
+                        <a:ea typeface="SimSun" panose="02010600030101010101" pitchFamily="2" charset="-122"/>
+                        <a:cs typeface="Times New Roman" panose="02020603050405020304" pitchFamily="18" charset="0"/>
+                      </a:endParaRPr>
+                    </a:p>
+                  </a:txBody>
+                  <a:tcPr marL="60815" marR="60815" marT="0" marB="0"/>
+                </a:tc>
+                <a:extLst>
+                  <a:ext uri="{0D108BD9-81ED-4DB2-BD59-A6C34878D82A}">
+                    <a16:rowId xmlns:a16="http://schemas.microsoft.com/office/drawing/2014/main" val="625902864"/>
+                  </a:ext>
+                </a:extLst>
+              </a:tr>
+            </a:tbl>
+          </a:graphicData>
+        </a:graphic>
+      </p:graphicFrame>
+    </p:spTree>
+    <p:extLst>
+      <p:ext uri="{BB962C8B-B14F-4D97-AF65-F5344CB8AC3E}">
+        <p14:creationId xmlns:p14="http://schemas.microsoft.com/office/powerpoint/2010/main" val="3658443460"/>
+      </p:ext>
+    </p:extLst>
+  </p:cSld>
+  <p:clrMapOvr>
+    <a:masterClrMapping/>
+  </p:clrMapOvr>
+</p:sld>
+</file>
+
+<file path=ppt/slides/slide15.xml><?xml version="1.0" encoding="utf-8"?>
+<p:sld xmlns:a="http://schemas.openxmlformats.org/drawingml/2006/main" xmlns:r="http://schemas.openxmlformats.org/officeDocument/2006/relationships" xmlns:p="http://schemas.openxmlformats.org/presentationml/2006/main">
+  <p:cSld>
+    <p:spTree>
+      <p:nvGrpSpPr>
+        <p:cNvPr id="1" name="Shape 83"/>
+        <p:cNvGrpSpPr/>
+        <p:nvPr/>
+      </p:nvGrpSpPr>
+      <p:grpSpPr>
+        <a:xfrm>
+          <a:off x="0" y="0"/>
+          <a:ext cx="0" cy="0"/>
+          <a:chOff x="0" y="0"/>
+          <a:chExt cx="0" cy="0"/>
+        </a:xfrm>
+      </p:grpSpPr>
+      <p:sp>
+        <p:nvSpPr>
+          <p:cNvPr id="84" name="Google Shape;84;p18"/>
+          <p:cNvSpPr txBox="1">
+            <a:spLocks noGrp="1"/>
+          </p:cNvSpPr>
+          <p:nvPr>
+            <p:ph type="title"/>
+          </p:nvPr>
+        </p:nvSpPr>
+        <p:spPr>
+          <a:xfrm>
+            <a:off x="311708" y="1545450"/>
+            <a:ext cx="8520600" cy="2052600"/>
+          </a:xfrm>
+          <a:prstGeom prst="rect">
+            <a:avLst/>
+          </a:prstGeom>
+        </p:spPr>
+        <p:txBody>
+          <a:bodyPr spcFirstLastPara="1" wrap="square" lIns="91425" tIns="91425" rIns="91425" bIns="91425" anchor="t" anchorCtr="0">
+            <a:noAutofit/>
+          </a:bodyPr>
+          <a:lstStyle/>
+          <a:p>
+            <a:pPr marL="0" lvl="0" indent="0" algn="ctr" rtl="0">
+              <a:spcBef>
+                <a:spcPts val="0"/>
+              </a:spcBef>
+              <a:spcAft>
+                <a:spcPts val="0"/>
+              </a:spcAft>
+              <a:buNone/>
+            </a:pPr>
+            <a:r>
+              <a:rPr lang="es" dirty="0"/>
+              <a:t>Análisis de factibilidad </a:t>
+            </a:r>
+            <a:r>
+              <a:rPr lang="es-MX" dirty="0"/>
+              <a:t>operativa</a:t>
+            </a:r>
+            <a:endParaRPr dirty="0"/>
+          </a:p>
+          <a:p>
+            <a:pPr marL="0" lvl="0" indent="0" algn="l" rtl="0">
+              <a:spcBef>
+                <a:spcPts val="0"/>
+              </a:spcBef>
+              <a:spcAft>
+                <a:spcPts val="0"/>
+              </a:spcAft>
+              <a:buNone/>
+            </a:pPr>
+            <a:endParaRPr dirty="0"/>
+          </a:p>
+        </p:txBody>
+      </p:sp>
+    </p:spTree>
+    <p:extLst>
+      <p:ext uri="{BB962C8B-B14F-4D97-AF65-F5344CB8AC3E}">
+        <p14:creationId xmlns:p14="http://schemas.microsoft.com/office/powerpoint/2010/main" val="3374325134"/>
+      </p:ext>
+    </p:extLst>
+  </p:cSld>
+  <p:clrMapOvr>
+    <a:masterClrMapping/>
+  </p:clrMapOvr>
+</p:sld>
+</file>
+
+<file path=ppt/slides/slide16.xml><?xml version="1.0" encoding="utf-8"?>
 <p:sld xmlns:a="http://schemas.openxmlformats.org/drawingml/2006/main" xmlns:r="http://schemas.openxmlformats.org/officeDocument/2006/relationships" xmlns:p="http://schemas.openxmlformats.org/presentationml/2006/main">
   <p:cSld>
     <p:spTree>
@@ -7429,16 +9272,62 @@
             </a:r>
           </a:p>
           <a:p>
+            <a:pPr marL="285750" indent="-285750" algn="just">
+              <a:spcAft>
+                <a:spcPts val="1600"/>
+              </a:spcAft>
+            </a:pPr>
+            <a:r>
+              <a:rPr lang="es-MX" sz="1600" dirty="0"/>
+              <a:t>El sistema solo será optimo si se cuenta con conexión a internet.</a:t>
+            </a:r>
+          </a:p>
+          <a:p>
+            <a:pPr marL="285750" indent="-285750" algn="just">
+              <a:spcAft>
+                <a:spcPts val="1600"/>
+              </a:spcAft>
+            </a:pPr>
+            <a:r>
+              <a:rPr lang="es-MX" sz="1600" dirty="0"/>
+              <a:t>Es necesario dar una capacitación de 2 horas para que el personal sea capacitado.</a:t>
+            </a:r>
+          </a:p>
+          <a:p>
+            <a:pPr marL="285750" indent="-285750" algn="just">
+              <a:spcAft>
+                <a:spcPts val="1600"/>
+              </a:spcAft>
+            </a:pPr>
+            <a:r>
+              <a:rPr lang="es-MX" sz="1600" dirty="0"/>
+              <a:t>Es necesario que el personal perteneciente a la defensoría estudiantil se mantenga a cargo de atender las denuncias opere el sistema para que las denuncias puedan ser respondidas.</a:t>
+            </a:r>
+          </a:p>
+          <a:p>
+            <a:pPr marL="285750" indent="-285750" algn="just">
+              <a:spcAft>
+                <a:spcPts val="1600"/>
+              </a:spcAft>
+            </a:pPr>
+            <a:endParaRPr lang="es-MX" sz="1600" dirty="0"/>
+          </a:p>
+          <a:p>
+            <a:pPr marL="285750" indent="-285750" algn="just">
+              <a:spcAft>
+                <a:spcPts val="1600"/>
+              </a:spcAft>
+            </a:pPr>
+            <a:endParaRPr lang="es-MX" sz="1600" dirty="0"/>
+          </a:p>
+          <a:p>
             <a:pPr marL="0" lvl="0" indent="0" algn="just">
               <a:spcAft>
                 <a:spcPts val="1600"/>
               </a:spcAft>
               <a:buNone/>
             </a:pPr>
-            <a:r>
-              <a:rPr lang="es-MX" sz="1600" dirty="0"/>
-              <a:t>•El sistema solo será optimo si se cuenta con conexión a internet.</a:t>
-            </a:r>
+            <a:endParaRPr lang="es-MX" sz="1600" dirty="0"/>
           </a:p>
           <a:p>
             <a:pPr marL="0" lvl="0" indent="0" algn="just">
@@ -7447,191 +9336,7 @@
               </a:spcAft>
               <a:buNone/>
             </a:pPr>
-            <a:r>
-              <a:rPr lang="es-MX" sz="1600" dirty="0"/>
-              <a:t>•Es necesario dar una capacitación de 2 horas para que el personal sea capacitado</a:t>
-            </a:r>
-          </a:p>
-          <a:p>
-            <a:pPr marL="0" lvl="0" indent="0" algn="just">
-              <a:spcAft>
-                <a:spcPts val="1600"/>
-              </a:spcAft>
-              <a:buNone/>
-            </a:pPr>
             <a:endParaRPr dirty="0"/>
-          </a:p>
-        </p:txBody>
-      </p:sp>
-    </p:spTree>
-  </p:cSld>
-  <p:clrMapOvr>
-    <a:masterClrMapping/>
-  </p:clrMapOvr>
-</p:sld>
-</file>
-
-<file path=ppt/slides/slide13.xml><?xml version="1.0" encoding="utf-8"?>
-<p:sld xmlns:a="http://schemas.openxmlformats.org/drawingml/2006/main" xmlns:r="http://schemas.openxmlformats.org/officeDocument/2006/relationships" xmlns:p="http://schemas.openxmlformats.org/presentationml/2006/main">
-  <p:cSld>
-    <p:spTree>
-      <p:nvGrpSpPr>
-        <p:cNvPr id="1" name="Shape 106"/>
-        <p:cNvGrpSpPr/>
-        <p:nvPr/>
-      </p:nvGrpSpPr>
-      <p:grpSpPr>
-        <a:xfrm>
-          <a:off x="0" y="0"/>
-          <a:ext cx="0" cy="0"/>
-          <a:chOff x="0" y="0"/>
-          <a:chExt cx="0" cy="0"/>
-        </a:xfrm>
-      </p:grpSpPr>
-      <p:sp>
-        <p:nvSpPr>
-          <p:cNvPr id="107" name="Google Shape;107;p22"/>
-          <p:cNvSpPr txBox="1">
-            <a:spLocks noGrp="1"/>
-          </p:cNvSpPr>
-          <p:nvPr>
-            <p:ph type="title"/>
-          </p:nvPr>
-        </p:nvSpPr>
-        <p:spPr>
-          <a:xfrm>
-            <a:off x="311708" y="1545450"/>
-            <a:ext cx="8520600" cy="2052600"/>
-          </a:xfrm>
-          <a:prstGeom prst="rect">
-            <a:avLst/>
-          </a:prstGeom>
-        </p:spPr>
-        <p:txBody>
-          <a:bodyPr spcFirstLastPara="1" wrap="square" lIns="91425" tIns="91425" rIns="91425" bIns="91425" anchor="t" anchorCtr="0">
-            <a:noAutofit/>
-          </a:bodyPr>
-          <a:lstStyle/>
-          <a:p>
-            <a:pPr marL="0" lvl="0" indent="0" algn="ctr" rtl="0">
-              <a:spcBef>
-                <a:spcPts val="0"/>
-              </a:spcBef>
-              <a:spcAft>
-                <a:spcPts val="0"/>
-              </a:spcAft>
-              <a:buNone/>
-            </a:pPr>
-            <a:r>
-              <a:rPr lang="es"/>
-              <a:t>Prototipo</a:t>
-            </a:r>
-            <a:endParaRPr/>
-          </a:p>
-          <a:p>
-            <a:pPr marL="0" lvl="0" indent="0" algn="l" rtl="0">
-              <a:spcBef>
-                <a:spcPts val="0"/>
-              </a:spcBef>
-              <a:spcAft>
-                <a:spcPts val="0"/>
-              </a:spcAft>
-              <a:buNone/>
-            </a:pPr>
-            <a:endParaRPr/>
-          </a:p>
-        </p:txBody>
-      </p:sp>
-    </p:spTree>
-  </p:cSld>
-  <p:clrMapOvr>
-    <a:masterClrMapping/>
-  </p:clrMapOvr>
-</p:sld>
-</file>
-
-<file path=ppt/slides/slide14.xml><?xml version="1.0" encoding="utf-8"?>
-<p:sld xmlns:a="http://schemas.openxmlformats.org/drawingml/2006/main" xmlns:r="http://schemas.openxmlformats.org/officeDocument/2006/relationships" xmlns:p="http://schemas.openxmlformats.org/presentationml/2006/main">
-  <p:cSld>
-    <p:spTree>
-      <p:nvGrpSpPr>
-        <p:cNvPr id="1" name="Shape 111"/>
-        <p:cNvGrpSpPr/>
-        <p:nvPr/>
-      </p:nvGrpSpPr>
-      <p:grpSpPr>
-        <a:xfrm>
-          <a:off x="0" y="0"/>
-          <a:ext cx="0" cy="0"/>
-          <a:chOff x="0" y="0"/>
-          <a:chExt cx="0" cy="0"/>
-        </a:xfrm>
-      </p:grpSpPr>
-      <p:sp>
-        <p:nvSpPr>
-          <p:cNvPr id="112" name="Google Shape;112;p23"/>
-          <p:cNvSpPr txBox="1">
-            <a:spLocks noGrp="1"/>
-          </p:cNvSpPr>
-          <p:nvPr>
-            <p:ph type="title"/>
-          </p:nvPr>
-        </p:nvSpPr>
-        <p:spPr>
-          <a:prstGeom prst="rect">
-            <a:avLst/>
-          </a:prstGeom>
-        </p:spPr>
-        <p:txBody>
-          <a:bodyPr spcFirstLastPara="1" wrap="square" lIns="91425" tIns="91425" rIns="91425" bIns="91425" anchor="t" anchorCtr="0">
-            <a:noAutofit/>
-          </a:bodyPr>
-          <a:lstStyle/>
-          <a:p>
-            <a:pPr marL="0" lvl="0" indent="0" algn="l" rtl="0">
-              <a:spcBef>
-                <a:spcPts val="0"/>
-              </a:spcBef>
-              <a:spcAft>
-                <a:spcPts val="0"/>
-              </a:spcAft>
-              <a:buNone/>
-            </a:pPr>
-            <a:endParaRPr/>
-          </a:p>
-        </p:txBody>
-      </p:sp>
-      <p:sp>
-        <p:nvSpPr>
-          <p:cNvPr id="113" name="Google Shape;113;p23"/>
-          <p:cNvSpPr txBox="1">
-            <a:spLocks noGrp="1"/>
-          </p:cNvSpPr>
-          <p:nvPr>
-            <p:ph type="body" idx="1"/>
-          </p:nvPr>
-        </p:nvSpPr>
-        <p:spPr>
-          <a:prstGeom prst="rect">
-            <a:avLst/>
-          </a:prstGeom>
-        </p:spPr>
-        <p:txBody>
-          <a:bodyPr spcFirstLastPara="1" wrap="square" lIns="91425" tIns="91425" rIns="91425" bIns="91425" anchor="t" anchorCtr="0">
-            <a:noAutofit/>
-          </a:bodyPr>
-          <a:lstStyle/>
-          <a:p>
-            <a:pPr marL="0" lvl="0" indent="0" algn="l" rtl="0">
-              <a:spcBef>
-                <a:spcPts val="0"/>
-              </a:spcBef>
-              <a:spcAft>
-                <a:spcPts val="1600"/>
-              </a:spcAft>
-              <a:buNone/>
-            </a:pPr>
-            <a:endParaRPr/>
           </a:p>
         </p:txBody>
       </p:sp>
@@ -8416,10 +10121,10 @@
               <a:buNone/>
             </a:pPr>
             <a:r>
-              <a:rPr lang="es"/>
+              <a:rPr lang="es" dirty="0"/>
               <a:t>Análisis de factibilidad</a:t>
             </a:r>
-            <a:endParaRPr/>
+            <a:endParaRPr dirty="0"/>
           </a:p>
           <a:p>
             <a:pPr marL="0" lvl="0" indent="0" algn="l" rtl="0">
@@ -8431,7 +10136,7 @@
               </a:spcAft>
               <a:buNone/>
             </a:pPr>
-            <a:endParaRPr/>
+            <a:endParaRPr dirty="0"/>
           </a:p>
         </p:txBody>
       </p:sp>
@@ -8444,6 +10149,94 @@
 </file>
 
 <file path=ppt/slides/slide7.xml><?xml version="1.0" encoding="utf-8"?>
+<p:sld xmlns:a="http://schemas.openxmlformats.org/drawingml/2006/main" xmlns:r="http://schemas.openxmlformats.org/officeDocument/2006/relationships" xmlns:p="http://schemas.openxmlformats.org/presentationml/2006/main">
+  <p:cSld>
+    <p:spTree>
+      <p:nvGrpSpPr>
+        <p:cNvPr id="1" name="Shape 83"/>
+        <p:cNvGrpSpPr/>
+        <p:nvPr/>
+      </p:nvGrpSpPr>
+      <p:grpSpPr>
+        <a:xfrm>
+          <a:off x="0" y="0"/>
+          <a:ext cx="0" cy="0"/>
+          <a:chOff x="0" y="0"/>
+          <a:chExt cx="0" cy="0"/>
+        </a:xfrm>
+      </p:grpSpPr>
+      <p:sp>
+        <p:nvSpPr>
+          <p:cNvPr id="84" name="Google Shape;84;p18"/>
+          <p:cNvSpPr txBox="1">
+            <a:spLocks noGrp="1"/>
+          </p:cNvSpPr>
+          <p:nvPr>
+            <p:ph type="title"/>
+          </p:nvPr>
+        </p:nvSpPr>
+        <p:spPr>
+          <a:xfrm>
+            <a:off x="311708" y="1545450"/>
+            <a:ext cx="8520600" cy="2052600"/>
+          </a:xfrm>
+          <a:prstGeom prst="rect">
+            <a:avLst/>
+          </a:prstGeom>
+        </p:spPr>
+        <p:txBody>
+          <a:bodyPr spcFirstLastPara="1" wrap="square" lIns="91425" tIns="91425" rIns="91425" bIns="91425" anchor="t" anchorCtr="0">
+            <a:noAutofit/>
+          </a:bodyPr>
+          <a:lstStyle/>
+          <a:p>
+            <a:pPr marL="0" lvl="0" indent="0" algn="ctr" rtl="0">
+              <a:spcBef>
+                <a:spcPts val="0"/>
+              </a:spcBef>
+              <a:spcAft>
+                <a:spcPts val="0"/>
+              </a:spcAft>
+              <a:buNone/>
+            </a:pPr>
+            <a:r>
+              <a:rPr lang="es" dirty="0"/>
+              <a:t>Análisis de factibilidad </a:t>
+            </a:r>
+            <a:r>
+              <a:rPr lang="es-MX" dirty="0"/>
+              <a:t>técnica</a:t>
+            </a:r>
+            <a:endParaRPr dirty="0"/>
+          </a:p>
+          <a:p>
+            <a:pPr marL="0" lvl="0" indent="0" algn="l" rtl="0">
+              <a:spcBef>
+                <a:spcPts val="0"/>
+              </a:spcBef>
+              <a:spcAft>
+                <a:spcPts val="0"/>
+              </a:spcAft>
+              <a:buNone/>
+            </a:pPr>
+            <a:endParaRPr dirty="0"/>
+          </a:p>
+        </p:txBody>
+      </p:sp>
+    </p:spTree>
+    <p:extLst>
+      <p:ext uri="{BB962C8B-B14F-4D97-AF65-F5344CB8AC3E}">
+        <p14:creationId xmlns:p14="http://schemas.microsoft.com/office/powerpoint/2010/main" val="1228277084"/>
+      </p:ext>
+    </p:extLst>
+  </p:cSld>
+  <p:clrMapOvr>
+    <a:masterClrMapping/>
+  </p:clrMapOvr>
+</p:sld>
+</file>
+
+<file path=ppt/slides/slide8.xml><?xml version="1.0" encoding="utf-8"?>
 <p:sld xmlns:a="http://schemas.openxmlformats.org/drawingml/2006/main" xmlns:r="http://schemas.openxmlformats.org/officeDocument/2006/relationships" xmlns:p="http://schemas.openxmlformats.org/presentationml/2006/main">
   <p:cSld>
     <p:spTree>
@@ -8657,7 +10450,7 @@
 </p:sld>
 </file>
 
-<file path=ppt/slides/slide8.xml><?xml version="1.0" encoding="utf-8"?>
+<file path=ppt/slides/slide9.xml><?xml version="1.0" encoding="utf-8"?>
 <p:sld xmlns:a="http://schemas.openxmlformats.org/drawingml/2006/main" xmlns:r="http://schemas.openxmlformats.org/officeDocument/2006/relationships" xmlns:p="http://schemas.openxmlformats.org/presentationml/2006/main">
   <p:cSld>
     <p:spTree>
@@ -9165,180 +10958,6 @@
     <p:extLst>
       <p:ext uri="{BB962C8B-B14F-4D97-AF65-F5344CB8AC3E}">
         <p14:creationId xmlns:p14="http://schemas.microsoft.com/office/powerpoint/2010/main" val="3728201962"/>
-      </p:ext>
-    </p:extLst>
-  </p:cSld>
-  <p:clrMapOvr>
-    <a:masterClrMapping/>
-  </p:clrMapOvr>
-</p:sld>
-</file>
-
-<file path=ppt/slides/slide9.xml><?xml version="1.0" encoding="utf-8"?>
-<p:sld xmlns:a="http://schemas.openxmlformats.org/drawingml/2006/main" xmlns:r="http://schemas.openxmlformats.org/officeDocument/2006/relationships" xmlns:p="http://schemas.openxmlformats.org/presentationml/2006/main">
-  <p:cSld>
-    <p:spTree>
-      <p:nvGrpSpPr>
-        <p:cNvPr id="1" name=""/>
-        <p:cNvGrpSpPr/>
-        <p:nvPr/>
-      </p:nvGrpSpPr>
-      <p:grpSpPr>
-        <a:xfrm>
-          <a:off x="0" y="0"/>
-          <a:ext cx="0" cy="0"/>
-          <a:chOff x="0" y="0"/>
-          <a:chExt cx="0" cy="0"/>
-        </a:xfrm>
-      </p:grpSpPr>
-      <p:sp>
-        <p:nvSpPr>
-          <p:cNvPr id="2" name="Título 1"/>
-          <p:cNvSpPr>
-            <a:spLocks noGrp="1"/>
-          </p:cNvSpPr>
-          <p:nvPr>
-            <p:ph type="title"/>
-          </p:nvPr>
-        </p:nvSpPr>
-        <p:spPr/>
-        <p:txBody>
-          <a:bodyPr>
-            <a:normAutofit fontScale="90000"/>
-          </a:bodyPr>
-          <a:lstStyle/>
-          <a:p>
-            <a:endParaRPr lang="es-MX"/>
-          </a:p>
-        </p:txBody>
-      </p:sp>
-      <p:sp>
-        <p:nvSpPr>
-          <p:cNvPr id="3" name="Marcador de texto 2"/>
-          <p:cNvSpPr>
-            <a:spLocks noGrp="1"/>
-          </p:cNvSpPr>
-          <p:nvPr>
-            <p:ph type="body" idx="1"/>
-          </p:nvPr>
-        </p:nvSpPr>
-        <p:spPr/>
-        <p:txBody>
-          <a:bodyPr>
-            <a:normAutofit/>
-          </a:bodyPr>
-          <a:lstStyle/>
-          <a:p>
-            <a:pPr marL="114300" indent="0" algn="just">
-              <a:buNone/>
-            </a:pPr>
-            <a:r>
-              <a:rPr lang="es-MX" sz="1800" dirty="0"/>
-              <a:t>Servidor:  x3850  </a:t>
-            </a:r>
-          </a:p>
-          <a:p>
-            <a:pPr algn="just"/>
-            <a:r>
-              <a:rPr lang="es-MX" sz="1800" dirty="0"/>
-              <a:t>Procesador: 1 X Intel® </a:t>
-            </a:r>
-            <a:r>
-              <a:rPr lang="es-MX" sz="1800" dirty="0" err="1"/>
-              <a:t>Xeon</a:t>
-            </a:r>
-            <a:r>
-              <a:rPr lang="es-MX" sz="1800" dirty="0"/>
-              <a:t>® </a:t>
-            </a:r>
-            <a:r>
-              <a:rPr lang="es-MX" sz="1800" dirty="0" err="1"/>
-              <a:t>DualCore</a:t>
-            </a:r>
-            <a:r>
-              <a:rPr lang="es-MX" sz="1800" dirty="0"/>
-              <a:t> 7110N 2.50GHz  </a:t>
-            </a:r>
-          </a:p>
-          <a:p>
-            <a:pPr algn="just"/>
-            <a:r>
-              <a:rPr lang="es-MX" sz="1800" dirty="0"/>
-              <a:t>Memoria Caché: 4MB L3  </a:t>
-            </a:r>
-          </a:p>
-          <a:p>
-            <a:pPr algn="just"/>
-            <a:r>
-              <a:rPr lang="es-MX" sz="1800" dirty="0"/>
-              <a:t>Memoria RAM: 2GB  </a:t>
-            </a:r>
-          </a:p>
-          <a:p>
-            <a:pPr algn="just"/>
-            <a:r>
-              <a:rPr lang="es-MX" sz="1800" dirty="0"/>
-              <a:t>Disco Duro: Open </a:t>
-            </a:r>
-            <a:r>
-              <a:rPr lang="es-MX" sz="1800" dirty="0" err="1"/>
-              <a:t>Bay</a:t>
-            </a:r>
-            <a:r>
-              <a:rPr lang="es-MX" sz="1800" dirty="0"/>
-              <a:t>  </a:t>
-            </a:r>
-          </a:p>
-          <a:p>
-            <a:pPr algn="just"/>
-            <a:r>
-              <a:rPr lang="es-MX" sz="1800" dirty="0"/>
-              <a:t>Unidad óptica: DVD ROM  </a:t>
-            </a:r>
-          </a:p>
-          <a:p>
-            <a:pPr algn="just"/>
-            <a:r>
-              <a:rPr lang="es-MX" sz="1800" dirty="0"/>
-              <a:t>Interfaz de red: Dual Gigabit Ethernet  </a:t>
-            </a:r>
-          </a:p>
-          <a:p>
-            <a:pPr algn="just"/>
-            <a:r>
-              <a:rPr lang="es-MX" sz="1800" dirty="0"/>
-              <a:t>Fuente de poder: 2 x </a:t>
-            </a:r>
-            <a:r>
-              <a:rPr lang="es-MX" sz="1800" dirty="0" err="1"/>
-              <a:t>Power</a:t>
-            </a:r>
-            <a:r>
-              <a:rPr lang="es-MX" sz="1800" dirty="0"/>
-              <a:t> </a:t>
-            </a:r>
-            <a:r>
-              <a:rPr lang="es-MX" sz="1800" dirty="0" err="1"/>
-              <a:t>Supplies</a:t>
-            </a:r>
-            <a:r>
-              <a:rPr lang="es-MX" sz="1800" dirty="0"/>
-              <a:t>  </a:t>
-            </a:r>
-          </a:p>
-          <a:p>
-            <a:pPr algn="just"/>
-            <a:r>
-              <a:rPr lang="es-MX" sz="1800" dirty="0"/>
-              <a:t>Arquitectura: Rack </a:t>
-            </a:r>
-          </a:p>
-        </p:txBody>
-      </p:sp>
-    </p:spTree>
-    <p:extLst>
-      <p:ext uri="{BB962C8B-B14F-4D97-AF65-F5344CB8AC3E}">
-        <p14:creationId xmlns:p14="http://schemas.microsoft.com/office/powerpoint/2010/main" val="1263633002"/>
       </p:ext>
     </p:extLst>
   </p:cSld>

--- a/DEUV propuesta.pptx
+++ b/DEUV propuesta.pptx
@@ -2011,7 +2011,7 @@
           <a:p>
             <a:fld id="{9E016143-E03C-4CFD-AFDC-14E5BDEA754C}" type="datetimeFigureOut">
               <a:rPr lang="en-US" dirty="0"/>
-              <a:t>11/20/2018</a:t>
+              <a:t>11/21/2018</a:t>
             </a:fld>
             <a:endParaRPr lang="en-US" dirty="0"/>
           </a:p>
@@ -2249,7 +2249,7 @@
           <a:p>
             <a:fld id="{C033E54A-A8CA-48C1-9504-691B58049D29}" type="datetimeFigureOut">
               <a:rPr lang="en-US" dirty="0"/>
-              <a:t>11/20/2018</a:t>
+              <a:t>11/21/2018</a:t>
             </a:fld>
             <a:endParaRPr lang="en-US" dirty="0"/>
           </a:p>
@@ -2439,7 +2439,7 @@
           <a:p>
             <a:fld id="{B5F6C806-BBF7-471C-9527-881CE2266695}" type="datetimeFigureOut">
               <a:rPr lang="en-US" dirty="0"/>
-              <a:t>11/20/2018</a:t>
+              <a:t>11/21/2018</a:t>
             </a:fld>
             <a:endParaRPr lang="en-US" dirty="0"/>
           </a:p>
@@ -2982,7 +2982,7 @@
           <a:p>
             <a:fld id="{78C94063-DF36-4330-A365-08DA1FA5B7D6}" type="datetimeFigureOut">
               <a:rPr lang="en-US" dirty="0"/>
-              <a:t>11/20/2018</a:t>
+              <a:t>11/21/2018</a:t>
             </a:fld>
             <a:endParaRPr lang="en-US" dirty="0"/>
           </a:p>
@@ -3246,7 +3246,7 @@
           <a:p>
             <a:fld id="{908A7C6C-0F39-4D70-8E8D-FE5B9C95FA73}" type="datetimeFigureOut">
               <a:rPr lang="en-US" dirty="0"/>
-              <a:t>11/20/2018</a:t>
+              <a:t>11/21/2018</a:t>
             </a:fld>
             <a:endParaRPr lang="en-US" dirty="0"/>
           </a:p>
@@ -3582,7 +3582,7 @@
           <a:p>
             <a:fld id="{DFCFA4AC-08CC-42CE-BD01-C191750A04EC}" type="datetimeFigureOut">
               <a:rPr lang="en-US" dirty="0"/>
-              <a:t>11/20/2018</a:t>
+              <a:t>11/21/2018</a:t>
             </a:fld>
             <a:endParaRPr lang="en-US" dirty="0"/>
           </a:p>
@@ -4043,7 +4043,7 @@
           <a:p>
             <a:fld id="{1BA7A723-92A7-435B-B681-F25B092FEFEB}" type="datetimeFigureOut">
               <a:rPr lang="en-US" dirty="0"/>
-              <a:t>11/20/2018</a:t>
+              <a:t>11/21/2018</a:t>
             </a:fld>
             <a:endParaRPr lang="en-US" dirty="0"/>
           </a:p>
@@ -4171,7 +4171,7 @@
           <a:p>
             <a:fld id="{4F170639-886C-4FCF-9EAB-ABB5DA3F3F4A}" type="datetimeFigureOut">
               <a:rPr lang="en-US" dirty="0"/>
-              <a:t>11/20/2018</a:t>
+              <a:t>11/21/2018</a:t>
             </a:fld>
             <a:endParaRPr lang="en-US" dirty="0"/>
           </a:p>
@@ -4276,7 +4276,7 @@
           <a:p>
             <a:fld id="{22230651-31F4-45D2-98AE-A2108F41BC07}" type="datetimeFigureOut">
               <a:rPr lang="en-US" dirty="0"/>
-              <a:t>11/20/2018</a:t>
+              <a:t>11/21/2018</a:t>
             </a:fld>
             <a:endParaRPr lang="en-US" dirty="0"/>
           </a:p>
@@ -4573,7 +4573,7 @@
           <a:p>
             <a:fld id="{6F53789A-C914-4DB1-8815-80B5EC7335C5}" type="datetimeFigureOut">
               <a:rPr lang="en-US" dirty="0"/>
-              <a:t>11/20/2018</a:t>
+              <a:t>11/21/2018</a:t>
             </a:fld>
             <a:endParaRPr lang="en-US" dirty="0"/>
           </a:p>
@@ -4908,7 +4908,7 @@
           <a:p>
             <a:fld id="{5E6440AA-91A0-436F-8FDB-C0F939DCAE21}" type="datetimeFigureOut">
               <a:rPr lang="en-US" dirty="0"/>
-              <a:t>11/20/2018</a:t>
+              <a:t>11/21/2018</a:t>
             </a:fld>
             <a:endParaRPr lang="en-US" dirty="0"/>
           </a:p>
@@ -5172,7 +5172,7 @@
           <a:p>
             <a:fld id="{0E59FD0C-5451-4CA0-86AF-E70AE3279989}" type="datetimeFigureOut">
               <a:rPr lang="en-US" dirty="0"/>
-              <a:t>11/20/2018</a:t>
+              <a:t>11/21/2018</a:t>
             </a:fld>
             <a:endParaRPr lang="en-US" dirty="0"/>
           </a:p>
@@ -10375,10 +10375,24 @@
               </a:spcAft>
             </a:pPr>
             <a:r>
+              <a:rPr lang="es-MX" dirty="0"/>
+              <a:t>MySQL</a:t>
+            </a:r>
+          </a:p>
+          <a:p>
+            <a:pPr marL="285750" indent="-285750">
+              <a:spcAft>
+                <a:spcPts val="1600"/>
+              </a:spcAft>
+            </a:pPr>
+            <a:r>
               <a:rPr lang="es-MX" dirty="0" err="1"/>
-              <a:t>MySQL</a:t>
-            </a:r>
-            <a:endParaRPr lang="es-MX" dirty="0"/>
+              <a:t>Axure</a:t>
+            </a:r>
+            <a:r>
+              <a:rPr lang="es-MX" dirty="0"/>
+              <a:t> RP 8</a:t>
+            </a:r>
           </a:p>
           <a:p>
             <a:pPr marL="0" lvl="0" indent="0" algn="l" rtl="0">
